--- a/presentation/cs252_presentation_li_scott.pptx
+++ b/presentation/cs252_presentation_li_scott.pptx
@@ -4,32 +4,46 @@
   <p:sldMasterIdLst>
     <p:sldMasterId id="2147483720" r:id="rId1"/>
   </p:sldMasterIdLst>
+  <p:handoutMasterIdLst>
+    <p:handoutMasterId r:id="rId38"/>
+  </p:handoutMasterIdLst>
   <p:sldIdLst>
     <p:sldId id="256" r:id="rId2"/>
     <p:sldId id="258" r:id="rId3"/>
     <p:sldId id="260" r:id="rId4"/>
     <p:sldId id="261" r:id="rId5"/>
-    <p:sldId id="262" r:id="rId6"/>
-    <p:sldId id="263" r:id="rId7"/>
-    <p:sldId id="264" r:id="rId8"/>
-    <p:sldId id="265" r:id="rId9"/>
-    <p:sldId id="266" r:id="rId10"/>
-    <p:sldId id="267" r:id="rId11"/>
-    <p:sldId id="268" r:id="rId12"/>
-    <p:sldId id="269" r:id="rId13"/>
-    <p:sldId id="270" r:id="rId14"/>
-    <p:sldId id="271" r:id="rId15"/>
-    <p:sldId id="272" r:id="rId16"/>
-    <p:sldId id="273" r:id="rId17"/>
-    <p:sldId id="274" r:id="rId18"/>
-    <p:sldId id="275" r:id="rId19"/>
-    <p:sldId id="281" r:id="rId20"/>
-    <p:sldId id="283" r:id="rId21"/>
-    <p:sldId id="284" r:id="rId22"/>
-    <p:sldId id="282" r:id="rId23"/>
-    <p:sldId id="276" r:id="rId24"/>
-    <p:sldId id="277" r:id="rId25"/>
-    <p:sldId id="278" r:id="rId26"/>
+    <p:sldId id="288" r:id="rId6"/>
+    <p:sldId id="289" r:id="rId7"/>
+    <p:sldId id="290" r:id="rId8"/>
+    <p:sldId id="291" r:id="rId9"/>
+    <p:sldId id="292" r:id="rId10"/>
+    <p:sldId id="293" r:id="rId11"/>
+    <p:sldId id="294" r:id="rId12"/>
+    <p:sldId id="295" r:id="rId13"/>
+    <p:sldId id="296" r:id="rId14"/>
+    <p:sldId id="297" r:id="rId15"/>
+    <p:sldId id="298" r:id="rId16"/>
+    <p:sldId id="264" r:id="rId17"/>
+    <p:sldId id="285" r:id="rId18"/>
+    <p:sldId id="266" r:id="rId19"/>
+    <p:sldId id="267" r:id="rId20"/>
+    <p:sldId id="268" r:id="rId21"/>
+    <p:sldId id="269" r:id="rId22"/>
+    <p:sldId id="286" r:id="rId23"/>
+    <p:sldId id="287" r:id="rId24"/>
+    <p:sldId id="270" r:id="rId25"/>
+    <p:sldId id="271" r:id="rId26"/>
+    <p:sldId id="272" r:id="rId27"/>
+    <p:sldId id="273" r:id="rId28"/>
+    <p:sldId id="274" r:id="rId29"/>
+    <p:sldId id="275" r:id="rId30"/>
+    <p:sldId id="281" r:id="rId31"/>
+    <p:sldId id="283" r:id="rId32"/>
+    <p:sldId id="284" r:id="rId33"/>
+    <p:sldId id="282" r:id="rId34"/>
+    <p:sldId id="276" r:id="rId35"/>
+    <p:sldId id="277" r:id="rId36"/>
+    <p:sldId id="278" r:id="rId37"/>
   </p:sldIdLst>
   <p:sldSz cx="9144000" cy="6858000" type="screen4x3"/>
   <p:notesSz cx="6858000" cy="9144000"/>
@@ -129,6 +143,171 @@
     </a:lvl9pPr>
   </p:defaultTextStyle>
 </p:presentation>
+</file>
+
+<file path=ppt/handoutMasters/handoutMaster1.xml><?xml version="1.0" encoding="utf-8"?>
+<p:handoutMaster xmlns:a="http://schemas.openxmlformats.org/drawingml/2006/main" xmlns:r="http://schemas.openxmlformats.org/officeDocument/2006/relationships" xmlns:p="http://schemas.openxmlformats.org/presentationml/2006/main">
+  <p:cSld>
+    <p:bg>
+      <p:bgRef idx="1001">
+        <a:schemeClr val="bg1"/>
+      </p:bgRef>
+    </p:bg>
+    <p:spTree>
+      <p:nvGrpSpPr>
+        <p:cNvPr id="1" name=""/>
+        <p:cNvGrpSpPr/>
+        <p:nvPr/>
+      </p:nvGrpSpPr>
+      <p:grpSpPr>
+        <a:xfrm>
+          <a:off x="0" y="0"/>
+          <a:ext cx="0" cy="0"/>
+          <a:chOff x="0" y="0"/>
+          <a:chExt cx="0" cy="0"/>
+        </a:xfrm>
+      </p:grpSpPr>
+      <p:sp>
+        <p:nvSpPr>
+          <p:cNvPr id="2" name="Header Placeholder 1"/>
+          <p:cNvSpPr>
+            <a:spLocks noGrp="1"/>
+          </p:cNvSpPr>
+          <p:nvPr>
+            <p:ph type="hdr" sz="quarter"/>
+          </p:nvPr>
+        </p:nvSpPr>
+        <p:spPr>
+          <a:xfrm>
+            <a:off x="0" y="0"/>
+            <a:ext cx="2971800" cy="457200"/>
+          </a:xfrm>
+          <a:prstGeom prst="rect">
+            <a:avLst/>
+          </a:prstGeom>
+        </p:spPr>
+        <p:txBody>
+          <a:bodyPr vert="horz" lIns="91440" tIns="45720" rIns="91440" bIns="45720" rtlCol="0"/>
+          <a:lstStyle>
+            <a:lvl1pPr algn="l">
+              <a:defRPr sz="1200"/>
+            </a:lvl1pPr>
+          </a:lstStyle>
+          <a:p>
+            <a:endParaRPr lang="en-US"/>
+          </a:p>
+        </p:txBody>
+      </p:sp>
+      <p:sp>
+        <p:nvSpPr>
+          <p:cNvPr id="3" name="Date Placeholder 2"/>
+          <p:cNvSpPr>
+            <a:spLocks noGrp="1"/>
+          </p:cNvSpPr>
+          <p:nvPr>
+            <p:ph type="dt" sz="quarter" idx="1"/>
+          </p:nvPr>
+        </p:nvSpPr>
+        <p:spPr>
+          <a:xfrm>
+            <a:off x="3884613" y="0"/>
+            <a:ext cx="2971800" cy="457200"/>
+          </a:xfrm>
+          <a:prstGeom prst="rect">
+            <a:avLst/>
+          </a:prstGeom>
+        </p:spPr>
+        <p:txBody>
+          <a:bodyPr vert="horz" lIns="91440" tIns="45720" rIns="91440" bIns="45720" rtlCol="0"/>
+          <a:lstStyle>
+            <a:lvl1pPr algn="r">
+              <a:defRPr sz="1200"/>
+            </a:lvl1pPr>
+          </a:lstStyle>
+          <a:p>
+            <a:fld id="{FF51932F-A19E-490F-AB6B-69088AF3CA97}" type="datetimeFigureOut">
+              <a:rPr lang="en-US" smtClean="0"/>
+              <a:t>5/3/2012</a:t>
+            </a:fld>
+            <a:endParaRPr lang="en-US"/>
+          </a:p>
+        </p:txBody>
+      </p:sp>
+      <p:sp>
+        <p:nvSpPr>
+          <p:cNvPr id="4" name="Footer Placeholder 3"/>
+          <p:cNvSpPr>
+            <a:spLocks noGrp="1"/>
+          </p:cNvSpPr>
+          <p:nvPr>
+            <p:ph type="ftr" sz="quarter" idx="2"/>
+          </p:nvPr>
+        </p:nvSpPr>
+        <p:spPr>
+          <a:xfrm>
+            <a:off x="0" y="8685213"/>
+            <a:ext cx="2971800" cy="457200"/>
+          </a:xfrm>
+          <a:prstGeom prst="rect">
+            <a:avLst/>
+          </a:prstGeom>
+        </p:spPr>
+        <p:txBody>
+          <a:bodyPr vert="horz" lIns="91440" tIns="45720" rIns="91440" bIns="45720" rtlCol="0" anchor="b"/>
+          <a:lstStyle>
+            <a:lvl1pPr algn="l">
+              <a:defRPr sz="1200"/>
+            </a:lvl1pPr>
+          </a:lstStyle>
+          <a:p>
+            <a:endParaRPr lang="en-US"/>
+          </a:p>
+        </p:txBody>
+      </p:sp>
+      <p:sp>
+        <p:nvSpPr>
+          <p:cNvPr id="5" name="Slide Number Placeholder 4"/>
+          <p:cNvSpPr>
+            <a:spLocks noGrp="1"/>
+          </p:cNvSpPr>
+          <p:nvPr>
+            <p:ph type="sldNum" sz="quarter" idx="3"/>
+          </p:nvPr>
+        </p:nvSpPr>
+        <p:spPr>
+          <a:xfrm>
+            <a:off x="3884613" y="8685213"/>
+            <a:ext cx="2971800" cy="457200"/>
+          </a:xfrm>
+          <a:prstGeom prst="rect">
+            <a:avLst/>
+          </a:prstGeom>
+        </p:spPr>
+        <p:txBody>
+          <a:bodyPr vert="horz" lIns="91440" tIns="45720" rIns="91440" bIns="45720" rtlCol="0" anchor="b"/>
+          <a:lstStyle>
+            <a:lvl1pPr algn="r">
+              <a:defRPr sz="1200"/>
+            </a:lvl1pPr>
+          </a:lstStyle>
+          <a:p>
+            <a:fld id="{09592FDE-D564-4206-BF35-3C84CC6F9098}" type="slidenum">
+              <a:rPr lang="en-US" smtClean="0"/>
+              <a:t>‹#›</a:t>
+            </a:fld>
+            <a:endParaRPr lang="en-US"/>
+          </a:p>
+        </p:txBody>
+      </p:sp>
+    </p:spTree>
+    <p:extLst>
+      <p:ext uri="{BB962C8B-B14F-4D97-AF65-F5344CB8AC3E}">
+        <p14:creationId xmlns:p14="http://schemas.microsoft.com/office/powerpoint/2010/main" val="162961593"/>
+      </p:ext>
+    </p:extLst>
+  </p:cSld>
+  <p:clrMap bg1="lt1" tx1="dk1" bg2="lt2" tx2="dk2" accent1="accent1" accent2="accent2" accent3="accent3" accent4="accent4" accent5="accent5" accent6="accent6" hlink="hlink" folHlink="folHlink"/>
+</p:handoutMaster>
 </file>
 
 <file path=ppt/slideLayouts/slideLayout1.xml><?xml version="1.0" encoding="utf-8"?>
@@ -3470,10 +3649,15 @@
             <p:ph type="subTitle" idx="1"/>
           </p:nvPr>
         </p:nvSpPr>
-        <p:spPr/>
+        <p:spPr>
+          <a:xfrm>
+            <a:off x="457200" y="4800600"/>
+            <a:ext cx="6858000" cy="1076672"/>
+          </a:xfrm>
+        </p:spPr>
         <p:txBody>
           <a:bodyPr>
-            <a:normAutofit fontScale="70000" lnSpcReduction="20000"/>
+            <a:normAutofit fontScale="62500" lnSpcReduction="20000"/>
           </a:bodyPr>
           <a:lstStyle/>
           <a:p>
@@ -3491,7 +3675,13 @@
           <a:p>
             <a:r>
               <a:rPr lang="en-US" dirty="0" smtClean="0"/>
-              <a:t>CS 252 May 2012</a:t>
+              <a:t>CS 252</a:t>
+            </a:r>
+          </a:p>
+          <a:p>
+            <a:r>
+              <a:rPr lang="en-US" dirty="0" smtClean="0"/>
+              <a:t>May 2012</a:t>
             </a:r>
             <a:endParaRPr lang="en-US" dirty="0"/>
           </a:p>
@@ -3547,11 +3737,13 @@
         <p:spPr>
           <a:xfrm>
             <a:off x="457200" y="152718"/>
-            <a:ext cx="8147248" cy="900018"/>
-          </a:xfrm>
-        </p:spPr>
-        <p:txBody>
-          <a:bodyPr/>
+            <a:ext cx="8003232" cy="900018"/>
+          </a:xfrm>
+        </p:spPr>
+        <p:txBody>
+          <a:bodyPr>
+            <a:normAutofit/>
+          </a:bodyPr>
           <a:lstStyle/>
           <a:p>
             <a:r>
@@ -3560,7 +3752,7 @@
                   <a:srgbClr val="002060"/>
                 </a:solidFill>
               </a:rPr>
-              <a:t>The Functional Simulator</a:t>
+              <a:t>How it Works</a:t>
             </a:r>
             <a:endParaRPr lang="en-US" dirty="0">
               <a:solidFill>
@@ -3570,54 +3762,40 @@
           </a:p>
         </p:txBody>
       </p:sp>
-      <p:sp>
-        <p:nvSpPr>
-          <p:cNvPr id="3" name="Content Placeholder 2"/>
-          <p:cNvSpPr>
-            <a:spLocks noGrp="1"/>
-          </p:cNvSpPr>
-          <p:nvPr>
-            <p:ph idx="1"/>
-          </p:nvPr>
-        </p:nvSpPr>
-        <p:spPr>
-          <a:xfrm>
-            <a:off x="457200" y="1124744"/>
-            <a:ext cx="7620000" cy="5001419"/>
-          </a:xfrm>
-        </p:spPr>
-        <p:txBody>
-          <a:bodyPr/>
-          <a:lstStyle/>
-          <a:p>
-            <a:r>
-              <a:rPr lang="en-US" dirty="0" err="1" smtClean="0"/>
-              <a:t>Yadda</a:t>
-            </a:r>
-            <a:r>
-              <a:rPr lang="en-US" dirty="0" smtClean="0"/>
-              <a:t> </a:t>
-            </a:r>
-            <a:r>
-              <a:rPr lang="en-US" dirty="0" err="1" smtClean="0"/>
-              <a:t>yadda</a:t>
-            </a:r>
-            <a:r>
-              <a:rPr lang="en-US" dirty="0" smtClean="0"/>
-              <a:t> </a:t>
-            </a:r>
-            <a:r>
-              <a:rPr lang="en-US" dirty="0" err="1" smtClean="0"/>
-              <a:t>yadda</a:t>
-            </a:r>
-            <a:endParaRPr lang="en-US" dirty="0"/>
-          </a:p>
-        </p:txBody>
-      </p:sp>
+      <p:pic>
+        <p:nvPicPr>
+          <p:cNvPr id="15" name="Picture 14"/>
+          <p:cNvPicPr>
+            <a:picLocks noChangeAspect="1"/>
+          </p:cNvPicPr>
+          <p:nvPr/>
+        </p:nvPicPr>
+        <p:blipFill>
+          <a:blip r:embed="rId2" cstate="print">
+            <a:extLst>
+              <a:ext uri="{28A0092B-C50C-407E-A947-70E740481C1C}">
+                <a14:useLocalDpi xmlns:a14="http://schemas.microsoft.com/office/drawing/2010/main" val="0"/>
+              </a:ext>
+            </a:extLst>
+          </a:blip>
+          <a:stretch>
+            <a:fillRect/>
+          </a:stretch>
+        </p:blipFill>
+        <p:spPr>
+          <a:xfrm>
+            <a:off x="115200" y="1051200"/>
+            <a:ext cx="8757036" cy="5396040"/>
+          </a:xfrm>
+          <a:prstGeom prst="rect">
+            <a:avLst/>
+          </a:prstGeom>
+        </p:spPr>
+      </p:pic>
     </p:spTree>
     <p:extLst>
       <p:ext uri="{BB962C8B-B14F-4D97-AF65-F5344CB8AC3E}">
-        <p14:creationId xmlns:p14="http://schemas.microsoft.com/office/powerpoint/2010/main" val="3673622218"/>
+        <p14:creationId xmlns:p14="http://schemas.microsoft.com/office/powerpoint/2010/main" val="901247469"/>
       </p:ext>
     </p:extLst>
   </p:cSld>
@@ -3664,7 +3842,7 @@
         <p:spPr>
           <a:xfrm>
             <a:off x="457200" y="152718"/>
-            <a:ext cx="8363272" cy="900018"/>
+            <a:ext cx="8003232" cy="900018"/>
           </a:xfrm>
         </p:spPr>
         <p:txBody>
@@ -3679,7 +3857,7 @@
                   <a:srgbClr val="002060"/>
                 </a:solidFill>
               </a:rPr>
-              <a:t>Platform for Testing Applications</a:t>
+              <a:t>How it Works</a:t>
             </a:r>
             <a:endParaRPr lang="en-US" dirty="0">
               <a:solidFill>
@@ -3689,54 +3867,40 @@
           </a:p>
         </p:txBody>
       </p:sp>
-      <p:sp>
-        <p:nvSpPr>
-          <p:cNvPr id="3" name="Content Placeholder 2"/>
-          <p:cNvSpPr>
-            <a:spLocks noGrp="1"/>
-          </p:cNvSpPr>
-          <p:nvPr>
-            <p:ph idx="1"/>
-          </p:nvPr>
-        </p:nvSpPr>
-        <p:spPr>
-          <a:xfrm>
-            <a:off x="457200" y="1124744"/>
-            <a:ext cx="7620000" cy="5001419"/>
-          </a:xfrm>
-        </p:spPr>
-        <p:txBody>
-          <a:bodyPr/>
-          <a:lstStyle/>
-          <a:p>
-            <a:r>
-              <a:rPr lang="en-US" dirty="0" err="1" smtClean="0"/>
-              <a:t>Yadda</a:t>
-            </a:r>
-            <a:r>
-              <a:rPr lang="en-US" dirty="0" smtClean="0"/>
-              <a:t> </a:t>
-            </a:r>
-            <a:r>
-              <a:rPr lang="en-US" dirty="0" err="1" smtClean="0"/>
-              <a:t>yadda</a:t>
-            </a:r>
-            <a:r>
-              <a:rPr lang="en-US" dirty="0" smtClean="0"/>
-              <a:t> </a:t>
-            </a:r>
-            <a:r>
-              <a:rPr lang="en-US" dirty="0" err="1" smtClean="0"/>
-              <a:t>yadda</a:t>
-            </a:r>
-            <a:endParaRPr lang="en-US" dirty="0"/>
-          </a:p>
-        </p:txBody>
-      </p:sp>
+      <p:pic>
+        <p:nvPicPr>
+          <p:cNvPr id="16" name="Picture 15"/>
+          <p:cNvPicPr>
+            <a:picLocks noChangeAspect="1"/>
+          </p:cNvPicPr>
+          <p:nvPr/>
+        </p:nvPicPr>
+        <p:blipFill>
+          <a:blip r:embed="rId2" cstate="print">
+            <a:extLst>
+              <a:ext uri="{28A0092B-C50C-407E-A947-70E740481C1C}">
+                <a14:useLocalDpi xmlns:a14="http://schemas.microsoft.com/office/drawing/2010/main" val="0"/>
+              </a:ext>
+            </a:extLst>
+          </a:blip>
+          <a:stretch>
+            <a:fillRect/>
+          </a:stretch>
+        </p:blipFill>
+        <p:spPr>
+          <a:xfrm>
+            <a:off x="115200" y="1051200"/>
+            <a:ext cx="8757036" cy="5396040"/>
+          </a:xfrm>
+          <a:prstGeom prst="rect">
+            <a:avLst/>
+          </a:prstGeom>
+        </p:spPr>
+      </p:pic>
     </p:spTree>
     <p:extLst>
       <p:ext uri="{BB962C8B-B14F-4D97-AF65-F5344CB8AC3E}">
-        <p14:creationId xmlns:p14="http://schemas.microsoft.com/office/powerpoint/2010/main" val="3563033945"/>
+        <p14:creationId xmlns:p14="http://schemas.microsoft.com/office/powerpoint/2010/main" val="547530858"/>
       </p:ext>
     </p:extLst>
   </p:cSld>
@@ -3783,11 +3947,13 @@
         <p:spPr>
           <a:xfrm>
             <a:off x="457200" y="152718"/>
-            <a:ext cx="8147248" cy="900018"/>
-          </a:xfrm>
-        </p:spPr>
-        <p:txBody>
-          <a:bodyPr/>
+            <a:ext cx="8003232" cy="900018"/>
+          </a:xfrm>
+        </p:spPr>
+        <p:txBody>
+          <a:bodyPr>
+            <a:normAutofit/>
+          </a:bodyPr>
           <a:lstStyle/>
           <a:p>
             <a:r>
@@ -3796,7 +3962,7 @@
                   <a:srgbClr val="002060"/>
                 </a:solidFill>
               </a:rPr>
-              <a:t>3D Imaging Results</a:t>
+              <a:t>How it Works</a:t>
             </a:r>
             <a:endParaRPr lang="en-US" dirty="0">
               <a:solidFill>
@@ -3806,54 +3972,40 @@
           </a:p>
         </p:txBody>
       </p:sp>
-      <p:sp>
-        <p:nvSpPr>
-          <p:cNvPr id="3" name="Content Placeholder 2"/>
-          <p:cNvSpPr>
-            <a:spLocks noGrp="1"/>
-          </p:cNvSpPr>
-          <p:nvPr>
-            <p:ph idx="1"/>
-          </p:nvPr>
-        </p:nvSpPr>
-        <p:spPr>
-          <a:xfrm>
-            <a:off x="457200" y="1124744"/>
-            <a:ext cx="7620000" cy="5001419"/>
-          </a:xfrm>
-        </p:spPr>
-        <p:txBody>
-          <a:bodyPr/>
-          <a:lstStyle/>
-          <a:p>
-            <a:r>
-              <a:rPr lang="en-US" dirty="0" err="1" smtClean="0"/>
-              <a:t>Yadda</a:t>
-            </a:r>
-            <a:r>
-              <a:rPr lang="en-US" dirty="0" smtClean="0"/>
-              <a:t> </a:t>
-            </a:r>
-            <a:r>
-              <a:rPr lang="en-US" dirty="0" err="1" smtClean="0"/>
-              <a:t>yadda</a:t>
-            </a:r>
-            <a:r>
-              <a:rPr lang="en-US" dirty="0" smtClean="0"/>
-              <a:t> </a:t>
-            </a:r>
-            <a:r>
-              <a:rPr lang="en-US" dirty="0" err="1" smtClean="0"/>
-              <a:t>yadda</a:t>
-            </a:r>
-            <a:endParaRPr lang="en-US" dirty="0"/>
-          </a:p>
-        </p:txBody>
-      </p:sp>
+      <p:pic>
+        <p:nvPicPr>
+          <p:cNvPr id="17" name="Picture 16"/>
+          <p:cNvPicPr>
+            <a:picLocks noChangeAspect="1"/>
+          </p:cNvPicPr>
+          <p:nvPr/>
+        </p:nvPicPr>
+        <p:blipFill>
+          <a:blip r:embed="rId2" cstate="print">
+            <a:extLst>
+              <a:ext uri="{28A0092B-C50C-407E-A947-70E740481C1C}">
+                <a14:useLocalDpi xmlns:a14="http://schemas.microsoft.com/office/drawing/2010/main" val="0"/>
+              </a:ext>
+            </a:extLst>
+          </a:blip>
+          <a:stretch>
+            <a:fillRect/>
+          </a:stretch>
+        </p:blipFill>
+        <p:spPr>
+          <a:xfrm>
+            <a:off x="115200" y="1051200"/>
+            <a:ext cx="8757036" cy="5396040"/>
+          </a:xfrm>
+          <a:prstGeom prst="rect">
+            <a:avLst/>
+          </a:prstGeom>
+        </p:spPr>
+      </p:pic>
     </p:spTree>
     <p:extLst>
       <p:ext uri="{BB962C8B-B14F-4D97-AF65-F5344CB8AC3E}">
-        <p14:creationId xmlns:p14="http://schemas.microsoft.com/office/powerpoint/2010/main" val="1226251307"/>
+        <p14:creationId xmlns:p14="http://schemas.microsoft.com/office/powerpoint/2010/main" val="2602022069"/>
       </p:ext>
     </p:extLst>
   </p:cSld>
@@ -3900,11 +4052,13 @@
         <p:spPr>
           <a:xfrm>
             <a:off x="457200" y="152718"/>
-            <a:ext cx="8147248" cy="900018"/>
-          </a:xfrm>
-        </p:spPr>
-        <p:txBody>
-          <a:bodyPr/>
+            <a:ext cx="8003232" cy="900018"/>
+          </a:xfrm>
+        </p:spPr>
+        <p:txBody>
+          <a:bodyPr>
+            <a:normAutofit/>
+          </a:bodyPr>
           <a:lstStyle/>
           <a:p>
             <a:r>
@@ -3913,7 +4067,7 @@
                   <a:srgbClr val="002060"/>
                 </a:solidFill>
               </a:rPr>
-              <a:t>Timing and Memory Model</a:t>
+              <a:t>How it Works</a:t>
             </a:r>
             <a:endParaRPr lang="en-US" dirty="0">
               <a:solidFill>
@@ -3923,54 +4077,40 @@
           </a:p>
         </p:txBody>
       </p:sp>
-      <p:sp>
-        <p:nvSpPr>
-          <p:cNvPr id="3" name="Content Placeholder 2"/>
-          <p:cNvSpPr>
-            <a:spLocks noGrp="1"/>
-          </p:cNvSpPr>
-          <p:nvPr>
-            <p:ph idx="1"/>
-          </p:nvPr>
-        </p:nvSpPr>
-        <p:spPr>
-          <a:xfrm>
-            <a:off x="457200" y="1124744"/>
-            <a:ext cx="7620000" cy="5001419"/>
-          </a:xfrm>
-        </p:spPr>
-        <p:txBody>
-          <a:bodyPr/>
-          <a:lstStyle/>
-          <a:p>
-            <a:r>
-              <a:rPr lang="en-US" dirty="0" err="1" smtClean="0"/>
-              <a:t>Yadda</a:t>
-            </a:r>
-            <a:r>
-              <a:rPr lang="en-US" dirty="0" smtClean="0"/>
-              <a:t> </a:t>
-            </a:r>
-            <a:r>
-              <a:rPr lang="en-US" dirty="0" err="1" smtClean="0"/>
-              <a:t>yadda</a:t>
-            </a:r>
-            <a:r>
-              <a:rPr lang="en-US" dirty="0" smtClean="0"/>
-              <a:t> </a:t>
-            </a:r>
-            <a:r>
-              <a:rPr lang="en-US" dirty="0" err="1" smtClean="0"/>
-              <a:t>yadda</a:t>
-            </a:r>
-            <a:endParaRPr lang="en-US" dirty="0"/>
-          </a:p>
-        </p:txBody>
-      </p:sp>
+      <p:pic>
+        <p:nvPicPr>
+          <p:cNvPr id="18" name="Picture 17"/>
+          <p:cNvPicPr>
+            <a:picLocks noChangeAspect="1"/>
+          </p:cNvPicPr>
+          <p:nvPr/>
+        </p:nvPicPr>
+        <p:blipFill>
+          <a:blip r:embed="rId2" cstate="print">
+            <a:extLst>
+              <a:ext uri="{28A0092B-C50C-407E-A947-70E740481C1C}">
+                <a14:useLocalDpi xmlns:a14="http://schemas.microsoft.com/office/drawing/2010/main" val="0"/>
+              </a:ext>
+            </a:extLst>
+          </a:blip>
+          <a:stretch>
+            <a:fillRect/>
+          </a:stretch>
+        </p:blipFill>
+        <p:spPr>
+          <a:xfrm>
+            <a:off x="115200" y="1051200"/>
+            <a:ext cx="8757036" cy="5396040"/>
+          </a:xfrm>
+          <a:prstGeom prst="rect">
+            <a:avLst/>
+          </a:prstGeom>
+        </p:spPr>
+      </p:pic>
     </p:spTree>
     <p:extLst>
       <p:ext uri="{BB962C8B-B14F-4D97-AF65-F5344CB8AC3E}">
-        <p14:creationId xmlns:p14="http://schemas.microsoft.com/office/powerpoint/2010/main" val="3344406106"/>
+        <p14:creationId xmlns:p14="http://schemas.microsoft.com/office/powerpoint/2010/main" val="3932075885"/>
       </p:ext>
     </p:extLst>
   </p:cSld>
@@ -4017,11 +4157,13 @@
         <p:spPr>
           <a:xfrm>
             <a:off x="457200" y="152718"/>
-            <a:ext cx="8147248" cy="900018"/>
-          </a:xfrm>
-        </p:spPr>
-        <p:txBody>
-          <a:bodyPr/>
+            <a:ext cx="8003232" cy="900018"/>
+          </a:xfrm>
+        </p:spPr>
+        <p:txBody>
+          <a:bodyPr>
+            <a:normAutofit/>
+          </a:bodyPr>
           <a:lstStyle/>
           <a:p>
             <a:r>
@@ -4030,7 +4172,7 @@
                   <a:srgbClr val="002060"/>
                 </a:solidFill>
               </a:rPr>
-              <a:t>Network Simulator</a:t>
+              <a:t>How it Works</a:t>
             </a:r>
             <a:endParaRPr lang="en-US" dirty="0">
               <a:solidFill>
@@ -4040,54 +4182,40 @@
           </a:p>
         </p:txBody>
       </p:sp>
-      <p:sp>
-        <p:nvSpPr>
-          <p:cNvPr id="3" name="Content Placeholder 2"/>
-          <p:cNvSpPr>
-            <a:spLocks noGrp="1"/>
-          </p:cNvSpPr>
-          <p:nvPr>
-            <p:ph idx="1"/>
-          </p:nvPr>
-        </p:nvSpPr>
-        <p:spPr>
-          <a:xfrm>
-            <a:off x="457200" y="1124744"/>
-            <a:ext cx="7620000" cy="5001419"/>
-          </a:xfrm>
-        </p:spPr>
-        <p:txBody>
-          <a:bodyPr/>
-          <a:lstStyle/>
-          <a:p>
-            <a:r>
-              <a:rPr lang="en-US" dirty="0" err="1" smtClean="0"/>
-              <a:t>Yadda</a:t>
-            </a:r>
-            <a:r>
-              <a:rPr lang="en-US" dirty="0" smtClean="0"/>
-              <a:t> </a:t>
-            </a:r>
-            <a:r>
-              <a:rPr lang="en-US" dirty="0" err="1" smtClean="0"/>
-              <a:t>yadda</a:t>
-            </a:r>
-            <a:r>
-              <a:rPr lang="en-US" dirty="0" smtClean="0"/>
-              <a:t> </a:t>
-            </a:r>
-            <a:r>
-              <a:rPr lang="en-US" dirty="0" err="1" smtClean="0"/>
-              <a:t>yadda</a:t>
-            </a:r>
-            <a:endParaRPr lang="en-US" dirty="0"/>
-          </a:p>
-        </p:txBody>
-      </p:sp>
+      <p:pic>
+        <p:nvPicPr>
+          <p:cNvPr id="19" name="Picture 18"/>
+          <p:cNvPicPr>
+            <a:picLocks noChangeAspect="1"/>
+          </p:cNvPicPr>
+          <p:nvPr/>
+        </p:nvPicPr>
+        <p:blipFill>
+          <a:blip r:embed="rId2" cstate="print">
+            <a:extLst>
+              <a:ext uri="{28A0092B-C50C-407E-A947-70E740481C1C}">
+                <a14:useLocalDpi xmlns:a14="http://schemas.microsoft.com/office/drawing/2010/main" val="0"/>
+              </a:ext>
+            </a:extLst>
+          </a:blip>
+          <a:stretch>
+            <a:fillRect/>
+          </a:stretch>
+        </p:blipFill>
+        <p:spPr>
+          <a:xfrm>
+            <a:off x="115200" y="1051200"/>
+            <a:ext cx="8757036" cy="5396040"/>
+          </a:xfrm>
+          <a:prstGeom prst="rect">
+            <a:avLst/>
+          </a:prstGeom>
+        </p:spPr>
+      </p:pic>
     </p:spTree>
     <p:extLst>
       <p:ext uri="{BB962C8B-B14F-4D97-AF65-F5344CB8AC3E}">
-        <p14:creationId xmlns:p14="http://schemas.microsoft.com/office/powerpoint/2010/main" val="3770460917"/>
+        <p14:creationId xmlns:p14="http://schemas.microsoft.com/office/powerpoint/2010/main" val="4017705455"/>
       </p:ext>
     </p:extLst>
   </p:cSld>
@@ -4134,11 +4262,13 @@
         <p:spPr>
           <a:xfrm>
             <a:off x="457200" y="152718"/>
-            <a:ext cx="8147248" cy="900018"/>
-          </a:xfrm>
-        </p:spPr>
-        <p:txBody>
-          <a:bodyPr/>
+            <a:ext cx="8003232" cy="900018"/>
+          </a:xfrm>
+        </p:spPr>
+        <p:txBody>
+          <a:bodyPr>
+            <a:normAutofit/>
+          </a:bodyPr>
           <a:lstStyle/>
           <a:p>
             <a:r>
@@ -4147,7 +4277,7 @@
                   <a:srgbClr val="002060"/>
                 </a:solidFill>
               </a:rPr>
-              <a:t>Communication Patterns</a:t>
+              <a:t>How it Works</a:t>
             </a:r>
             <a:endParaRPr lang="en-US" dirty="0">
               <a:solidFill>
@@ -4157,54 +4287,40 @@
           </a:p>
         </p:txBody>
       </p:sp>
-      <p:sp>
-        <p:nvSpPr>
-          <p:cNvPr id="3" name="Content Placeholder 2"/>
-          <p:cNvSpPr>
-            <a:spLocks noGrp="1"/>
-          </p:cNvSpPr>
-          <p:nvPr>
-            <p:ph idx="1"/>
-          </p:nvPr>
-        </p:nvSpPr>
-        <p:spPr>
-          <a:xfrm>
-            <a:off x="457200" y="1124744"/>
-            <a:ext cx="7620000" cy="5001419"/>
-          </a:xfrm>
-        </p:spPr>
-        <p:txBody>
-          <a:bodyPr/>
-          <a:lstStyle/>
-          <a:p>
-            <a:r>
-              <a:rPr lang="en-US" dirty="0" err="1" smtClean="0"/>
-              <a:t>Yadda</a:t>
-            </a:r>
-            <a:r>
-              <a:rPr lang="en-US" dirty="0" smtClean="0"/>
-              <a:t> </a:t>
-            </a:r>
-            <a:r>
-              <a:rPr lang="en-US" dirty="0" err="1" smtClean="0"/>
-              <a:t>yadda</a:t>
-            </a:r>
-            <a:r>
-              <a:rPr lang="en-US" dirty="0" smtClean="0"/>
-              <a:t> </a:t>
-            </a:r>
-            <a:r>
-              <a:rPr lang="en-US" dirty="0" err="1" smtClean="0"/>
-              <a:t>yadda</a:t>
-            </a:r>
-            <a:endParaRPr lang="en-US" dirty="0"/>
-          </a:p>
-        </p:txBody>
-      </p:sp>
+      <p:pic>
+        <p:nvPicPr>
+          <p:cNvPr id="20" name="Picture 19"/>
+          <p:cNvPicPr>
+            <a:picLocks noChangeAspect="1"/>
+          </p:cNvPicPr>
+          <p:nvPr/>
+        </p:nvPicPr>
+        <p:blipFill>
+          <a:blip r:embed="rId2" cstate="print">
+            <a:extLst>
+              <a:ext uri="{28A0092B-C50C-407E-A947-70E740481C1C}">
+                <a14:useLocalDpi xmlns:a14="http://schemas.microsoft.com/office/drawing/2010/main" val="0"/>
+              </a:ext>
+            </a:extLst>
+          </a:blip>
+          <a:stretch>
+            <a:fillRect/>
+          </a:stretch>
+        </p:blipFill>
+        <p:spPr>
+          <a:xfrm>
+            <a:off x="115200" y="1051200"/>
+            <a:ext cx="8757036" cy="5396040"/>
+          </a:xfrm>
+          <a:prstGeom prst="rect">
+            <a:avLst/>
+          </a:prstGeom>
+        </p:spPr>
+      </p:pic>
     </p:spTree>
     <p:extLst>
       <p:ext uri="{BB962C8B-B14F-4D97-AF65-F5344CB8AC3E}">
-        <p14:creationId xmlns:p14="http://schemas.microsoft.com/office/powerpoint/2010/main" val="3875475215"/>
+        <p14:creationId xmlns:p14="http://schemas.microsoft.com/office/powerpoint/2010/main" val="3104296999"/>
       </p:ext>
     </p:extLst>
   </p:cSld>
@@ -4251,13 +4367,11 @@
         <p:spPr>
           <a:xfrm>
             <a:off x="457200" y="152718"/>
-            <a:ext cx="8291264" cy="900018"/>
-          </a:xfrm>
-        </p:spPr>
-        <p:txBody>
-          <a:bodyPr>
-            <a:normAutofit/>
-          </a:bodyPr>
+            <a:ext cx="8147248" cy="900018"/>
+          </a:xfrm>
+        </p:spPr>
+        <p:txBody>
+          <a:bodyPr/>
           <a:lstStyle/>
           <a:p>
             <a:r>
@@ -4266,7 +4380,7 @@
                   <a:srgbClr val="002060"/>
                 </a:solidFill>
               </a:rPr>
-              <a:t>Communication Patterns: Speed</a:t>
+              <a:t>The Row-wise Transpose</a:t>
             </a:r>
             <a:endParaRPr lang="en-US" dirty="0">
               <a:solidFill>
@@ -4276,9 +4390,101 @@
           </a:p>
         </p:txBody>
       </p:sp>
-      <p:sp>
-        <p:nvSpPr>
-          <p:cNvPr id="3" name="Content Placeholder 2"/>
+      <p:pic>
+        <p:nvPicPr>
+          <p:cNvPr id="5" name="Picture 4"/>
+          <p:cNvPicPr>
+            <a:picLocks noChangeAspect="1"/>
+          </p:cNvPicPr>
+          <p:nvPr/>
+        </p:nvPicPr>
+        <p:blipFill>
+          <a:blip r:embed="rId2" cstate="print">
+            <a:extLst>
+              <a:ext uri="{28A0092B-C50C-407E-A947-70E740481C1C}">
+                <a14:useLocalDpi xmlns:a14="http://schemas.microsoft.com/office/drawing/2010/main" val="0"/>
+              </a:ext>
+            </a:extLst>
+          </a:blip>
+          <a:stretch>
+            <a:fillRect/>
+          </a:stretch>
+        </p:blipFill>
+        <p:spPr>
+          <a:xfrm>
+            <a:off x="323528" y="2235140"/>
+            <a:ext cx="8492467" cy="1841942"/>
+          </a:xfrm>
+          <a:prstGeom prst="rect">
+            <a:avLst/>
+          </a:prstGeom>
+        </p:spPr>
+      </p:pic>
+      <p:sp>
+        <p:nvSpPr>
+          <p:cNvPr id="6" name="TextBox 5"/>
+          <p:cNvSpPr txBox="1"/>
+          <p:nvPr/>
+        </p:nvSpPr>
+        <p:spPr>
+          <a:xfrm>
+            <a:off x="323528" y="4265204"/>
+            <a:ext cx="2304256" cy="369332"/>
+          </a:xfrm>
+          <a:prstGeom prst="rect">
+            <a:avLst/>
+          </a:prstGeom>
+          <a:noFill/>
+        </p:spPr>
+        <p:txBody>
+          <a:bodyPr wrap="square" rtlCol="0">
+            <a:spAutoFit/>
+          </a:bodyPr>
+          <a:lstStyle/>
+          <a:p>
+            <a:pPr algn="ctr"/>
+            <a:r>
+              <a:rPr lang="en-US" b="1" dirty="0" smtClean="0"/>
+              <a:t>Before Transpose</a:t>
+            </a:r>
+            <a:endParaRPr lang="en-US" b="1" dirty="0"/>
+          </a:p>
+        </p:txBody>
+      </p:sp>
+      <p:sp>
+        <p:nvSpPr>
+          <p:cNvPr id="7" name="TextBox 6"/>
+          <p:cNvSpPr txBox="1"/>
+          <p:nvPr/>
+        </p:nvSpPr>
+        <p:spPr>
+          <a:xfrm>
+            <a:off x="6084168" y="4279195"/>
+            <a:ext cx="2304256" cy="369332"/>
+          </a:xfrm>
+          <a:prstGeom prst="rect">
+            <a:avLst/>
+          </a:prstGeom>
+          <a:noFill/>
+        </p:spPr>
+        <p:txBody>
+          <a:bodyPr wrap="square" rtlCol="0">
+            <a:spAutoFit/>
+          </a:bodyPr>
+          <a:lstStyle/>
+          <a:p>
+            <a:pPr algn="ctr"/>
+            <a:r>
+              <a:rPr lang="en-US" b="1" dirty="0" smtClean="0"/>
+              <a:t>After Transpose</a:t>
+            </a:r>
+            <a:endParaRPr lang="en-US" b="1" dirty="0"/>
+          </a:p>
+        </p:txBody>
+      </p:sp>
+      <p:sp>
+        <p:nvSpPr>
+          <p:cNvPr id="9" name="Content Placeholder 2"/>
           <p:cNvSpPr>
             <a:spLocks noGrp="1"/>
           </p:cNvSpPr>
@@ -4288,42 +4494,51 @@
         </p:nvSpPr>
         <p:spPr>
           <a:xfrm>
-            <a:off x="457200" y="1124744"/>
-            <a:ext cx="7620000" cy="5001419"/>
-          </a:xfrm>
-        </p:spPr>
-        <p:txBody>
-          <a:bodyPr/>
-          <a:lstStyle/>
-          <a:p>
-            <a:r>
-              <a:rPr lang="en-US" dirty="0" err="1" smtClean="0"/>
-              <a:t>Yadda</a:t>
-            </a:r>
-            <a:r>
-              <a:rPr lang="en-US" dirty="0" smtClean="0"/>
-              <a:t> </a:t>
-            </a:r>
-            <a:r>
-              <a:rPr lang="en-US" dirty="0" err="1" smtClean="0"/>
-              <a:t>yadda</a:t>
-            </a:r>
-            <a:r>
-              <a:rPr lang="en-US" dirty="0" smtClean="0"/>
-              <a:t> </a:t>
-            </a:r>
-            <a:r>
-              <a:rPr lang="en-US" dirty="0" err="1" smtClean="0"/>
-              <a:t>yadda</a:t>
-            </a:r>
-            <a:endParaRPr lang="en-US" dirty="0"/>
+            <a:off x="457200" y="5301208"/>
+            <a:ext cx="7931224" cy="1224136"/>
+          </a:xfrm>
+        </p:spPr>
+        <p:txBody>
+          <a:bodyPr>
+            <a:normAutofit fontScale="85000" lnSpcReduction="10000"/>
+          </a:bodyPr>
+          <a:lstStyle/>
+          <a:p>
+            <a:pPr marL="342900" indent="-342900">
+              <a:buFont typeface="Arial" pitchFamily="34" charset="0"/>
+              <a:buChar char="•"/>
+            </a:pPr>
+            <a:r>
+              <a:rPr lang="en-US" b="0" dirty="0" smtClean="0"/>
+              <a:t>Each processor sends its local data to all other processors in the row.</a:t>
+            </a:r>
+          </a:p>
+          <a:p>
+            <a:pPr marL="342900" indent="-342900">
+              <a:buFont typeface="Arial" pitchFamily="34" charset="0"/>
+              <a:buChar char="•"/>
+            </a:pPr>
+            <a:r>
+              <a:rPr lang="en-US" b="0" dirty="0" smtClean="0"/>
+              <a:t>Each node extracts data and forwards after each hop.</a:t>
+            </a:r>
+          </a:p>
+          <a:p>
+            <a:pPr marL="342900" indent="-342900">
+              <a:buFont typeface="Arial" pitchFamily="34" charset="0"/>
+              <a:buChar char="•"/>
+            </a:pPr>
+            <a:r>
+              <a:rPr lang="en-US" b="0" dirty="0" smtClean="0"/>
+              <a:t>Requires N hops to perform full transpose.</a:t>
+            </a:r>
           </a:p>
         </p:txBody>
       </p:sp>
     </p:spTree>
     <p:extLst>
       <p:ext uri="{BB962C8B-B14F-4D97-AF65-F5344CB8AC3E}">
-        <p14:creationId xmlns:p14="http://schemas.microsoft.com/office/powerpoint/2010/main" val="1860026456"/>
+        <p14:creationId xmlns:p14="http://schemas.microsoft.com/office/powerpoint/2010/main" val="2567773645"/>
       </p:ext>
     </p:extLst>
   </p:cSld>
@@ -4374,9 +4589,7 @@
           </a:xfrm>
         </p:spPr>
         <p:txBody>
-          <a:bodyPr>
-            <a:normAutofit fontScale="90000"/>
-          </a:bodyPr>
+          <a:bodyPr/>
           <a:lstStyle/>
           <a:p>
             <a:r>
@@ -4385,7 +4598,7 @@
                   <a:srgbClr val="002060"/>
                 </a:solidFill>
               </a:rPr>
-              <a:t>Communication Patterns: Memory</a:t>
+              <a:t>The Column-wise Transpose</a:t>
             </a:r>
             <a:endParaRPr lang="en-US" dirty="0">
               <a:solidFill>
@@ -4397,7 +4610,99 @@
       </p:sp>
       <p:sp>
         <p:nvSpPr>
-          <p:cNvPr id="3" name="Content Placeholder 2"/>
+          <p:cNvPr id="6" name="TextBox 5"/>
+          <p:cNvSpPr txBox="1"/>
+          <p:nvPr/>
+        </p:nvSpPr>
+        <p:spPr>
+          <a:xfrm>
+            <a:off x="314380" y="4252971"/>
+            <a:ext cx="2304256" cy="369332"/>
+          </a:xfrm>
+          <a:prstGeom prst="rect">
+            <a:avLst/>
+          </a:prstGeom>
+          <a:noFill/>
+        </p:spPr>
+        <p:txBody>
+          <a:bodyPr wrap="square" rtlCol="0">
+            <a:spAutoFit/>
+          </a:bodyPr>
+          <a:lstStyle/>
+          <a:p>
+            <a:pPr algn="ctr"/>
+            <a:r>
+              <a:rPr lang="en-US" b="1" dirty="0" smtClean="0"/>
+              <a:t>Before Transpose</a:t>
+            </a:r>
+            <a:endParaRPr lang="en-US" b="1" dirty="0"/>
+          </a:p>
+        </p:txBody>
+      </p:sp>
+      <p:sp>
+        <p:nvSpPr>
+          <p:cNvPr id="7" name="TextBox 6"/>
+          <p:cNvSpPr txBox="1"/>
+          <p:nvPr/>
+        </p:nvSpPr>
+        <p:spPr>
+          <a:xfrm>
+            <a:off x="6075020" y="4266962"/>
+            <a:ext cx="2304256" cy="369332"/>
+          </a:xfrm>
+          <a:prstGeom prst="rect">
+            <a:avLst/>
+          </a:prstGeom>
+          <a:noFill/>
+        </p:spPr>
+        <p:txBody>
+          <a:bodyPr wrap="square" rtlCol="0">
+            <a:spAutoFit/>
+          </a:bodyPr>
+          <a:lstStyle/>
+          <a:p>
+            <a:pPr algn="ctr"/>
+            <a:r>
+              <a:rPr lang="en-US" b="1" dirty="0" smtClean="0"/>
+              <a:t>After Transpose</a:t>
+            </a:r>
+            <a:endParaRPr lang="en-US" b="1" dirty="0"/>
+          </a:p>
+        </p:txBody>
+      </p:sp>
+      <p:pic>
+        <p:nvPicPr>
+          <p:cNvPr id="3" name="Picture 2"/>
+          <p:cNvPicPr>
+            <a:picLocks noChangeAspect="1"/>
+          </p:cNvPicPr>
+          <p:nvPr/>
+        </p:nvPicPr>
+        <p:blipFill>
+          <a:blip r:embed="rId2" cstate="print">
+            <a:extLst>
+              <a:ext uri="{28A0092B-C50C-407E-A947-70E740481C1C}">
+                <a14:useLocalDpi xmlns:a14="http://schemas.microsoft.com/office/drawing/2010/main" val="0"/>
+              </a:ext>
+            </a:extLst>
+          </a:blip>
+          <a:stretch>
+            <a:fillRect/>
+          </a:stretch>
+        </p:blipFill>
+        <p:spPr>
+          <a:xfrm>
+            <a:off x="314380" y="2223107"/>
+            <a:ext cx="8496944" cy="1821014"/>
+          </a:xfrm>
+          <a:prstGeom prst="rect">
+            <a:avLst/>
+          </a:prstGeom>
+        </p:spPr>
+      </p:pic>
+      <p:sp>
+        <p:nvSpPr>
+          <p:cNvPr id="8" name="Content Placeholder 2"/>
           <p:cNvSpPr>
             <a:spLocks noGrp="1"/>
           </p:cNvSpPr>
@@ -4407,42 +4712,51 @@
         </p:nvSpPr>
         <p:spPr>
           <a:xfrm>
-            <a:off x="457200" y="1124744"/>
-            <a:ext cx="7620000" cy="5001419"/>
-          </a:xfrm>
-        </p:spPr>
-        <p:txBody>
-          <a:bodyPr/>
-          <a:lstStyle/>
-          <a:p>
-            <a:r>
-              <a:rPr lang="en-US" dirty="0" err="1" smtClean="0"/>
-              <a:t>Yadda</a:t>
-            </a:r>
-            <a:r>
-              <a:rPr lang="en-US" dirty="0" smtClean="0"/>
-              <a:t> </a:t>
-            </a:r>
-            <a:r>
-              <a:rPr lang="en-US" dirty="0" err="1" smtClean="0"/>
-              <a:t>yadda</a:t>
-            </a:r>
-            <a:r>
-              <a:rPr lang="en-US" dirty="0" smtClean="0"/>
-              <a:t> </a:t>
-            </a:r>
-            <a:r>
-              <a:rPr lang="en-US" dirty="0" err="1" smtClean="0"/>
-              <a:t>yadda</a:t>
-            </a:r>
-            <a:endParaRPr lang="en-US" dirty="0"/>
+            <a:off x="457200" y="5301208"/>
+            <a:ext cx="7931224" cy="1224136"/>
+          </a:xfrm>
+        </p:spPr>
+        <p:txBody>
+          <a:bodyPr>
+            <a:normAutofit fontScale="85000" lnSpcReduction="10000"/>
+          </a:bodyPr>
+          <a:lstStyle/>
+          <a:p>
+            <a:pPr marL="342900" indent="-342900">
+              <a:buFont typeface="Arial" pitchFamily="34" charset="0"/>
+              <a:buChar char="•"/>
+            </a:pPr>
+            <a:r>
+              <a:rPr lang="en-US" b="0" dirty="0" smtClean="0"/>
+              <a:t>Each processor sends its local data to all other processors in the column.</a:t>
+            </a:r>
+          </a:p>
+          <a:p>
+            <a:pPr marL="342900" indent="-342900">
+              <a:buFont typeface="Arial" pitchFamily="34" charset="0"/>
+              <a:buChar char="•"/>
+            </a:pPr>
+            <a:r>
+              <a:rPr lang="en-US" b="0" dirty="0" smtClean="0"/>
+              <a:t>Each node extracts data and forwards after each hop.</a:t>
+            </a:r>
+          </a:p>
+          <a:p>
+            <a:pPr marL="342900" indent="-342900">
+              <a:buFont typeface="Arial" pitchFamily="34" charset="0"/>
+              <a:buChar char="•"/>
+            </a:pPr>
+            <a:r>
+              <a:rPr lang="en-US" b="0" dirty="0" smtClean="0"/>
+              <a:t>Requires N hops to perform full transpose.</a:t>
+            </a:r>
           </a:p>
         </p:txBody>
       </p:sp>
     </p:spTree>
     <p:extLst>
       <p:ext uri="{BB962C8B-B14F-4D97-AF65-F5344CB8AC3E}">
-        <p14:creationId xmlns:p14="http://schemas.microsoft.com/office/powerpoint/2010/main" val="1724696326"/>
+        <p14:creationId xmlns:p14="http://schemas.microsoft.com/office/powerpoint/2010/main" val="3209483845"/>
       </p:ext>
     </p:extLst>
   </p:cSld>
@@ -4489,11 +4803,13 @@
         <p:spPr>
           <a:xfrm>
             <a:off x="457200" y="152718"/>
-            <a:ext cx="8147248" cy="900018"/>
-          </a:xfrm>
-        </p:spPr>
-        <p:txBody>
-          <a:bodyPr/>
+            <a:ext cx="5554960" cy="1476082"/>
+          </a:xfrm>
+        </p:spPr>
+        <p:txBody>
+          <a:bodyPr>
+            <a:normAutofit/>
+          </a:bodyPr>
           <a:lstStyle/>
           <a:p>
             <a:r>
@@ -4502,23 +4818,7 @@
                   <a:srgbClr val="002060"/>
                 </a:solidFill>
               </a:rPr>
-              <a:t>Results: x </a:t>
-            </a:r>
-            <a:r>
-              <a:rPr lang="en-US" cap="none" dirty="0" err="1" smtClean="0">
-                <a:solidFill>
-                  <a:srgbClr val="002060"/>
-                </a:solidFill>
-              </a:rPr>
-              <a:t>vs</a:t>
-            </a:r>
-            <a:r>
-              <a:rPr lang="en-US" cap="none" dirty="0" smtClean="0">
-                <a:solidFill>
-                  <a:srgbClr val="002060"/>
-                </a:solidFill>
-              </a:rPr>
-              <a:t> Resolution</a:t>
+              <a:t>The 3D Imaging Algorithm</a:t>
             </a:r>
             <a:endParaRPr lang="en-US" dirty="0">
               <a:solidFill>
@@ -4540,42 +4840,378 @@
         </p:nvSpPr>
         <p:spPr>
           <a:xfrm>
-            <a:off x="457200" y="1124744"/>
-            <a:ext cx="7620000" cy="5001419"/>
-          </a:xfrm>
-        </p:spPr>
-        <p:txBody>
-          <a:bodyPr/>
-          <a:lstStyle/>
-          <a:p>
-            <a:r>
-              <a:rPr lang="en-US" dirty="0" err="1" smtClean="0"/>
-              <a:t>Yadda</a:t>
-            </a:r>
-            <a:r>
-              <a:rPr lang="en-US" dirty="0" smtClean="0"/>
-              <a:t> </a:t>
-            </a:r>
-            <a:r>
-              <a:rPr lang="en-US" dirty="0" err="1" smtClean="0"/>
-              <a:t>yadda</a:t>
-            </a:r>
-            <a:r>
-              <a:rPr lang="en-US" dirty="0" smtClean="0"/>
-              <a:t> </a:t>
-            </a:r>
-            <a:r>
-              <a:rPr lang="en-US" dirty="0" err="1" smtClean="0"/>
-              <a:t>yadda</a:t>
-            </a:r>
-            <a:endParaRPr lang="en-US" dirty="0"/>
+            <a:off x="457200" y="1916832"/>
+            <a:ext cx="3970784" cy="4536504"/>
+          </a:xfrm>
+        </p:spPr>
+        <p:txBody>
+          <a:bodyPr>
+            <a:normAutofit/>
+          </a:bodyPr>
+          <a:lstStyle/>
+          <a:p>
+            <a:pPr marL="342900" indent="-342900">
+              <a:buFont typeface="Arial" pitchFamily="34" charset="0"/>
+              <a:buChar char="•"/>
+            </a:pPr>
+            <a:r>
+              <a:rPr lang="en-US" b="0" dirty="0" smtClean="0"/>
+              <a:t>The algorithm that runs on each processor.</a:t>
+            </a:r>
+          </a:p>
+          <a:p>
+            <a:pPr marL="342900" indent="-342900">
+              <a:buFont typeface="Arial" pitchFamily="34" charset="0"/>
+              <a:buChar char="•"/>
+            </a:pPr>
+            <a:endParaRPr lang="en-US" b="0" dirty="0" smtClean="0"/>
+          </a:p>
+          <a:p>
+            <a:pPr marL="342900" indent="-342900">
+              <a:buFont typeface="Arial" pitchFamily="34" charset="0"/>
+              <a:buChar char="•"/>
+            </a:pPr>
+            <a:endParaRPr lang="en-US" b="0" dirty="0"/>
+          </a:p>
+          <a:p>
+            <a:pPr marL="342900" indent="-342900">
+              <a:buFont typeface="Arial" pitchFamily="34" charset="0"/>
+              <a:buChar char="•"/>
+            </a:pPr>
+            <a:r>
+              <a:rPr lang="en-US" b="0" dirty="0" smtClean="0"/>
+              <a:t>Key:</a:t>
+            </a:r>
+          </a:p>
+          <a:p>
+            <a:pPr marL="800100" lvl="1" indent="-342900"/>
+            <a:r>
+              <a:rPr lang="en-US" b="1" dirty="0">
+                <a:solidFill>
+                  <a:schemeClr val="tx1">
+                    <a:lumMod val="50000"/>
+                    <a:lumOff val="50000"/>
+                  </a:schemeClr>
+                </a:solidFill>
+              </a:rPr>
+              <a:t>Communication in grey</a:t>
+            </a:r>
+          </a:p>
+          <a:p>
+            <a:pPr marL="800100" lvl="1" indent="-342900"/>
+            <a:r>
+              <a:rPr lang="en-US" b="1" dirty="0" smtClean="0">
+                <a:solidFill>
+                  <a:srgbClr val="CCCC00"/>
+                </a:solidFill>
+              </a:rPr>
+              <a:t>Computation in yellow</a:t>
+            </a:r>
+          </a:p>
+        </p:txBody>
+      </p:sp>
+      <p:pic>
+        <p:nvPicPr>
+          <p:cNvPr id="4" name="Picture 3"/>
+          <p:cNvPicPr>
+            <a:picLocks noChangeAspect="1"/>
+          </p:cNvPicPr>
+          <p:nvPr/>
+        </p:nvPicPr>
+        <p:blipFill>
+          <a:blip r:embed="rId2" cstate="print">
+            <a:extLst>
+              <a:ext uri="{28A0092B-C50C-407E-A947-70E740481C1C}">
+                <a14:useLocalDpi xmlns:a14="http://schemas.microsoft.com/office/drawing/2010/main" val="0"/>
+              </a:ext>
+            </a:extLst>
+          </a:blip>
+          <a:stretch>
+            <a:fillRect/>
+          </a:stretch>
+        </p:blipFill>
+        <p:spPr>
+          <a:xfrm>
+            <a:off x="5898060" y="324930"/>
+            <a:ext cx="2562372" cy="6230390"/>
+          </a:xfrm>
+          <a:prstGeom prst="rect">
+            <a:avLst/>
+          </a:prstGeom>
+        </p:spPr>
+      </p:pic>
+      <p:sp>
+        <p:nvSpPr>
+          <p:cNvPr id="11" name="Right Brace 10"/>
+          <p:cNvSpPr/>
+          <p:nvPr/>
+        </p:nvSpPr>
+        <p:spPr>
+          <a:xfrm flipH="1">
+            <a:off x="5466012" y="324930"/>
+            <a:ext cx="288032" cy="2239974"/>
+          </a:xfrm>
+          <a:prstGeom prst="rightBrace">
+            <a:avLst/>
+          </a:prstGeom>
+        </p:spPr>
+        <p:style>
+          <a:lnRef idx="1">
+            <a:schemeClr val="accent1"/>
+          </a:lnRef>
+          <a:fillRef idx="0">
+            <a:schemeClr val="accent1"/>
+          </a:fillRef>
+          <a:effectRef idx="0">
+            <a:schemeClr val="accent1"/>
+          </a:effectRef>
+          <a:fontRef idx="minor">
+            <a:schemeClr val="tx1"/>
+          </a:fontRef>
+        </p:style>
+        <p:txBody>
+          <a:bodyPr rtlCol="0" anchor="ctr"/>
+          <a:lstStyle/>
+          <a:p>
+            <a:pPr algn="ctr"/>
+            <a:endParaRPr lang="en-US"/>
+          </a:p>
+        </p:txBody>
+      </p:sp>
+      <p:sp>
+        <p:nvSpPr>
+          <p:cNvPr id="12" name="Right Brace 11"/>
+          <p:cNvSpPr/>
+          <p:nvPr/>
+        </p:nvSpPr>
+        <p:spPr>
+          <a:xfrm flipH="1">
+            <a:off x="5466012" y="2630209"/>
+            <a:ext cx="288032" cy="1230839"/>
+          </a:xfrm>
+          <a:prstGeom prst="rightBrace">
+            <a:avLst/>
+          </a:prstGeom>
+        </p:spPr>
+        <p:style>
+          <a:lnRef idx="1">
+            <a:schemeClr val="accent1"/>
+          </a:lnRef>
+          <a:fillRef idx="0">
+            <a:schemeClr val="accent1"/>
+          </a:fillRef>
+          <a:effectRef idx="0">
+            <a:schemeClr val="accent1"/>
+          </a:effectRef>
+          <a:fontRef idx="minor">
+            <a:schemeClr val="tx1"/>
+          </a:fontRef>
+        </p:style>
+        <p:txBody>
+          <a:bodyPr rtlCol="0" anchor="ctr"/>
+          <a:lstStyle/>
+          <a:p>
+            <a:pPr algn="ctr"/>
+            <a:endParaRPr lang="en-US"/>
+          </a:p>
+        </p:txBody>
+      </p:sp>
+      <p:sp>
+        <p:nvSpPr>
+          <p:cNvPr id="13" name="Right Brace 12"/>
+          <p:cNvSpPr/>
+          <p:nvPr/>
+        </p:nvSpPr>
+        <p:spPr>
+          <a:xfrm flipH="1">
+            <a:off x="5474396" y="3933056"/>
+            <a:ext cx="288032" cy="2664296"/>
+          </a:xfrm>
+          <a:prstGeom prst="rightBrace">
+            <a:avLst/>
+          </a:prstGeom>
+        </p:spPr>
+        <p:style>
+          <a:lnRef idx="1">
+            <a:schemeClr val="accent1"/>
+          </a:lnRef>
+          <a:fillRef idx="0">
+            <a:schemeClr val="accent1"/>
+          </a:fillRef>
+          <a:effectRef idx="0">
+            <a:schemeClr val="accent1"/>
+          </a:effectRef>
+          <a:fontRef idx="minor">
+            <a:schemeClr val="tx1"/>
+          </a:fontRef>
+        </p:style>
+        <p:txBody>
+          <a:bodyPr rtlCol="0" anchor="ctr"/>
+          <a:lstStyle/>
+          <a:p>
+            <a:pPr algn="ctr"/>
+            <a:endParaRPr lang="en-US"/>
+          </a:p>
+        </p:txBody>
+      </p:sp>
+      <p:sp>
+        <p:nvSpPr>
+          <p:cNvPr id="14" name="TextBox 13"/>
+          <p:cNvSpPr txBox="1"/>
+          <p:nvPr/>
+        </p:nvSpPr>
+        <p:spPr>
+          <a:xfrm flipH="1">
+            <a:off x="4538292" y="1268760"/>
+            <a:ext cx="963216" cy="338554"/>
+          </a:xfrm>
+          <a:prstGeom prst="rect">
+            <a:avLst/>
+          </a:prstGeom>
+          <a:noFill/>
+        </p:spPr>
+        <p:txBody>
+          <a:bodyPr wrap="square" rtlCol="0">
+            <a:spAutoFit/>
+          </a:bodyPr>
+          <a:lstStyle/>
+          <a:p>
+            <a:r>
+              <a:rPr lang="en-US" sz="1600" b="1" dirty="0" smtClean="0">
+                <a:solidFill>
+                  <a:schemeClr val="tx2">
+                    <a:lumMod val="60000"/>
+                    <a:lumOff val="40000"/>
+                  </a:schemeClr>
+                </a:solidFill>
+              </a:rPr>
+              <a:t>2D FFT</a:t>
+            </a:r>
+            <a:endParaRPr lang="en-US" sz="1600" b="1" dirty="0">
+              <a:solidFill>
+                <a:schemeClr val="tx2">
+                  <a:lumMod val="60000"/>
+                  <a:lumOff val="40000"/>
+                </a:schemeClr>
+              </a:solidFill>
+            </a:endParaRPr>
+          </a:p>
+        </p:txBody>
+      </p:sp>
+      <p:sp>
+        <p:nvSpPr>
+          <p:cNvPr id="15" name="TextBox 14"/>
+          <p:cNvSpPr txBox="1"/>
+          <p:nvPr/>
+        </p:nvSpPr>
+        <p:spPr>
+          <a:xfrm flipH="1">
+            <a:off x="4097860" y="2814027"/>
+            <a:ext cx="1440160" cy="830997"/>
+          </a:xfrm>
+          <a:prstGeom prst="rect">
+            <a:avLst/>
+          </a:prstGeom>
+          <a:noFill/>
+        </p:spPr>
+        <p:txBody>
+          <a:bodyPr wrap="square" rtlCol="0">
+            <a:spAutoFit/>
+          </a:bodyPr>
+          <a:lstStyle/>
+          <a:p>
+            <a:r>
+              <a:rPr lang="en-US" sz="1600" b="1" dirty="0" smtClean="0">
+                <a:solidFill>
+                  <a:schemeClr val="tx2">
+                    <a:lumMod val="60000"/>
+                    <a:lumOff val="40000"/>
+                  </a:schemeClr>
+                </a:solidFill>
+              </a:rPr>
+              <a:t>Downwards continuation and </a:t>
+            </a:r>
+            <a:r>
+              <a:rPr lang="en-US" sz="1600" b="1" dirty="0" err="1" smtClean="0">
+                <a:solidFill>
+                  <a:schemeClr val="tx2">
+                    <a:lumMod val="60000"/>
+                    <a:lumOff val="40000"/>
+                  </a:schemeClr>
+                </a:solidFill>
+              </a:rPr>
+              <a:t>Stolt</a:t>
+            </a:r>
+            <a:endParaRPr lang="en-US" sz="1600" b="1" dirty="0">
+              <a:solidFill>
+                <a:schemeClr val="tx2">
+                  <a:lumMod val="60000"/>
+                  <a:lumOff val="40000"/>
+                </a:schemeClr>
+              </a:solidFill>
+            </a:endParaRPr>
+          </a:p>
+        </p:txBody>
+      </p:sp>
+      <p:sp>
+        <p:nvSpPr>
+          <p:cNvPr id="16" name="TextBox 15"/>
+          <p:cNvSpPr txBox="1"/>
+          <p:nvPr/>
+        </p:nvSpPr>
+        <p:spPr>
+          <a:xfrm flipH="1">
+            <a:off x="4529908" y="5092804"/>
+            <a:ext cx="963216" cy="338554"/>
+          </a:xfrm>
+          <a:prstGeom prst="rect">
+            <a:avLst/>
+          </a:prstGeom>
+          <a:noFill/>
+        </p:spPr>
+        <p:txBody>
+          <a:bodyPr wrap="square" rtlCol="0">
+            <a:spAutoFit/>
+          </a:bodyPr>
+          <a:lstStyle/>
+          <a:p>
+            <a:r>
+              <a:rPr lang="en-US" sz="1600" b="1" dirty="0">
+                <a:solidFill>
+                  <a:schemeClr val="tx2">
+                    <a:lumMod val="60000"/>
+                    <a:lumOff val="40000"/>
+                  </a:schemeClr>
+                </a:solidFill>
+              </a:rPr>
+              <a:t>3</a:t>
+            </a:r>
+            <a:r>
+              <a:rPr lang="en-US" sz="1600" b="1" dirty="0" smtClean="0">
+                <a:solidFill>
+                  <a:schemeClr val="tx2">
+                    <a:lumMod val="60000"/>
+                    <a:lumOff val="40000"/>
+                  </a:schemeClr>
+                </a:solidFill>
+              </a:rPr>
+              <a:t>D IFFT</a:t>
+            </a:r>
+            <a:endParaRPr lang="en-US" sz="1600" b="1" dirty="0">
+              <a:solidFill>
+                <a:schemeClr val="tx2">
+                  <a:lumMod val="60000"/>
+                  <a:lumOff val="40000"/>
+                </a:schemeClr>
+              </a:solidFill>
+            </a:endParaRPr>
           </a:p>
         </p:txBody>
       </p:sp>
     </p:spTree>
     <p:extLst>
       <p:ext uri="{BB962C8B-B14F-4D97-AF65-F5344CB8AC3E}">
-        <p14:creationId xmlns:p14="http://schemas.microsoft.com/office/powerpoint/2010/main" val="50530151"/>
+        <p14:creationId xmlns:p14="http://schemas.microsoft.com/office/powerpoint/2010/main" val="2347655769"/>
       </p:ext>
     </p:extLst>
   </p:cSld>
@@ -4635,23 +5271,7 @@
                   <a:srgbClr val="002060"/>
                 </a:solidFill>
               </a:rPr>
-              <a:t>Results: x </a:t>
-            </a:r>
-            <a:r>
-              <a:rPr lang="en-US" cap="none" dirty="0" err="1" smtClean="0">
-                <a:solidFill>
-                  <a:srgbClr val="002060"/>
-                </a:solidFill>
-              </a:rPr>
-              <a:t>vs</a:t>
-            </a:r>
-            <a:r>
-              <a:rPr lang="en-US" cap="none" dirty="0" smtClean="0">
-                <a:solidFill>
-                  <a:srgbClr val="002060"/>
-                </a:solidFill>
-              </a:rPr>
-              <a:t> Resolution</a:t>
+              <a:t>The Functional Simulator</a:t>
             </a:r>
             <a:endParaRPr lang="en-US" dirty="0">
               <a:solidFill>
@@ -4674,7 +5294,7 @@
         <p:spPr>
           <a:xfrm>
             <a:off x="457200" y="1124744"/>
-            <a:ext cx="7620000" cy="5001419"/>
+            <a:ext cx="3898776" cy="5001419"/>
           </a:xfrm>
         </p:spPr>
         <p:txBody>
@@ -4705,10 +5325,40 @@
           </a:p>
         </p:txBody>
       </p:sp>
+      <p:pic>
+        <p:nvPicPr>
+          <p:cNvPr id="4" name="Picture 3"/>
+          <p:cNvPicPr>
+            <a:picLocks noChangeAspect="1"/>
+          </p:cNvPicPr>
+          <p:nvPr/>
+        </p:nvPicPr>
+        <p:blipFill>
+          <a:blip r:embed="rId2" cstate="print">
+            <a:extLst>
+              <a:ext uri="{28A0092B-C50C-407E-A947-70E740481C1C}">
+                <a14:useLocalDpi xmlns:a14="http://schemas.microsoft.com/office/drawing/2010/main" val="0"/>
+              </a:ext>
+            </a:extLst>
+          </a:blip>
+          <a:stretch>
+            <a:fillRect/>
+          </a:stretch>
+        </p:blipFill>
+        <p:spPr>
+          <a:xfrm>
+            <a:off x="4499992" y="1844824"/>
+            <a:ext cx="4219798" cy="4716833"/>
+          </a:xfrm>
+          <a:prstGeom prst="rect">
+            <a:avLst/>
+          </a:prstGeom>
+        </p:spPr>
+      </p:pic>
     </p:spTree>
     <p:extLst>
       <p:ext uri="{BB962C8B-B14F-4D97-AF65-F5344CB8AC3E}">
-        <p14:creationId xmlns:p14="http://schemas.microsoft.com/office/powerpoint/2010/main" val="2280466211"/>
+        <p14:creationId xmlns:p14="http://schemas.microsoft.com/office/powerpoint/2010/main" val="3673622218"/>
       </p:ext>
     </p:extLst>
   </p:cSld>
@@ -4816,11 +5466,11 @@
             </a:r>
             <a:r>
               <a:rPr lang="en-US" dirty="0"/>
-              <a:t>of embedded low-power </a:t>
+              <a:t>of </a:t>
             </a:r>
             <a:r>
               <a:rPr lang="en-US" dirty="0" smtClean="0"/>
-              <a:t>processors.</a:t>
+              <a:t>embedded, low-power, RISC-V processors.</a:t>
             </a:r>
           </a:p>
           <a:p>
@@ -4830,7 +5480,7 @@
             </a:pPr>
             <a:r>
               <a:rPr lang="en-US" dirty="0" smtClean="0"/>
-              <a:t>Connected in 2D mesh network.</a:t>
+              <a:t>Connected in 2D mesh network within wallpaper.</a:t>
             </a:r>
           </a:p>
           <a:p>
@@ -4840,11 +5490,11 @@
             </a:pPr>
             <a:r>
               <a:rPr lang="en-US" dirty="0" smtClean="0"/>
-              <a:t>One radio and antenna </a:t>
+              <a:t>One radio and antenna per </a:t>
             </a:r>
             <a:r>
               <a:rPr lang="en-US" dirty="0"/>
-              <a:t>per processor.</a:t>
+              <a:t>processor.</a:t>
             </a:r>
           </a:p>
         </p:txBody>
@@ -4993,11 +5643,13 @@
         <p:spPr>
           <a:xfrm>
             <a:off x="457200" y="152718"/>
-            <a:ext cx="8147248" cy="900018"/>
-          </a:xfrm>
-        </p:spPr>
-        <p:txBody>
-          <a:bodyPr/>
+            <a:ext cx="8363272" cy="900018"/>
+          </a:xfrm>
+        </p:spPr>
+        <p:txBody>
+          <a:bodyPr>
+            <a:normAutofit/>
+          </a:bodyPr>
           <a:lstStyle/>
           <a:p>
             <a:r>
@@ -5006,23 +5658,7 @@
                   <a:srgbClr val="002060"/>
                 </a:solidFill>
               </a:rPr>
-              <a:t>Results: x </a:t>
-            </a:r>
-            <a:r>
-              <a:rPr lang="en-US" cap="none" dirty="0" err="1" smtClean="0">
-                <a:solidFill>
-                  <a:srgbClr val="002060"/>
-                </a:solidFill>
-              </a:rPr>
-              <a:t>vs</a:t>
-            </a:r>
-            <a:r>
-              <a:rPr lang="en-US" cap="none" dirty="0" smtClean="0">
-                <a:solidFill>
-                  <a:srgbClr val="002060"/>
-                </a:solidFill>
-              </a:rPr>
-              <a:t> Resolution</a:t>
+              <a:t>Platform for Testing Applications</a:t>
             </a:r>
             <a:endParaRPr lang="en-US" dirty="0">
               <a:solidFill>
@@ -5079,7 +5715,7 @@
     </p:spTree>
     <p:extLst>
       <p:ext uri="{BB962C8B-B14F-4D97-AF65-F5344CB8AC3E}">
-        <p14:creationId xmlns:p14="http://schemas.microsoft.com/office/powerpoint/2010/main" val="4030008405"/>
+        <p14:creationId xmlns:p14="http://schemas.microsoft.com/office/powerpoint/2010/main" val="3563033945"/>
       </p:ext>
     </p:extLst>
   </p:cSld>
@@ -5139,23 +5775,7 @@
                   <a:srgbClr val="002060"/>
                 </a:solidFill>
               </a:rPr>
-              <a:t>Results: x </a:t>
-            </a:r>
-            <a:r>
-              <a:rPr lang="en-US" cap="none" dirty="0" err="1" smtClean="0">
-                <a:solidFill>
-                  <a:srgbClr val="002060"/>
-                </a:solidFill>
-              </a:rPr>
-              <a:t>vs</a:t>
-            </a:r>
-            <a:r>
-              <a:rPr lang="en-US" cap="none" dirty="0" smtClean="0">
-                <a:solidFill>
-                  <a:srgbClr val="002060"/>
-                </a:solidFill>
-              </a:rPr>
-              <a:t> Bandwidth</a:t>
+              <a:t>Imaging Results: 3 Points</a:t>
             </a:r>
             <a:endParaRPr lang="en-US" dirty="0">
               <a:solidFill>
@@ -5209,10 +5829,146 @@
           </a:p>
         </p:txBody>
       </p:sp>
+      <p:pic>
+        <p:nvPicPr>
+          <p:cNvPr id="4" name="Picture 3"/>
+          <p:cNvPicPr>
+            <a:picLocks noChangeAspect="1"/>
+          </p:cNvPicPr>
+          <p:nvPr/>
+        </p:nvPicPr>
+        <p:blipFill rotWithShape="1">
+          <a:blip r:embed="rId2">
+            <a:extLst>
+              <a:ext uri="{28A0092B-C50C-407E-A947-70E740481C1C}">
+                <a14:useLocalDpi xmlns:a14="http://schemas.microsoft.com/office/drawing/2010/main" val="0"/>
+              </a:ext>
+            </a:extLst>
+          </a:blip>
+          <a:srcRect l="14592" t="18758" r="12716" b="14329"/>
+          <a:stretch/>
+        </p:blipFill>
+        <p:spPr>
+          <a:xfrm>
+            <a:off x="683568" y="2120636"/>
+            <a:ext cx="3528392" cy="3794276"/>
+          </a:xfrm>
+          <a:prstGeom prst="rect">
+            <a:avLst/>
+          </a:prstGeom>
+        </p:spPr>
+      </p:pic>
+      <p:pic>
+        <p:nvPicPr>
+          <p:cNvPr id="5" name="Picture 4"/>
+          <p:cNvPicPr>
+            <a:picLocks noChangeAspect="1"/>
+          </p:cNvPicPr>
+          <p:nvPr/>
+        </p:nvPicPr>
+        <p:blipFill rotWithShape="1">
+          <a:blip r:embed="rId3">
+            <a:extLst>
+              <a:ext uri="{28A0092B-C50C-407E-A947-70E740481C1C}">
+                <a14:useLocalDpi xmlns:a14="http://schemas.microsoft.com/office/drawing/2010/main" val="0"/>
+              </a:ext>
+            </a:extLst>
+          </a:blip>
+          <a:srcRect l="6356" t="7094" r="6131" b="8135"/>
+          <a:stretch/>
+        </p:blipFill>
+        <p:spPr>
+          <a:xfrm>
+            <a:off x="4716016" y="2132856"/>
+            <a:ext cx="3787585" cy="3787586"/>
+          </a:xfrm>
+          <a:prstGeom prst="rect">
+            <a:avLst/>
+          </a:prstGeom>
+        </p:spPr>
+      </p:pic>
+      <p:sp>
+        <p:nvSpPr>
+          <p:cNvPr id="8" name="TextBox 7"/>
+          <p:cNvSpPr txBox="1"/>
+          <p:nvPr/>
+        </p:nvSpPr>
+        <p:spPr>
+          <a:xfrm>
+            <a:off x="1170382" y="6021288"/>
+            <a:ext cx="2554763" cy="338554"/>
+          </a:xfrm>
+          <a:prstGeom prst="rect">
+            <a:avLst/>
+          </a:prstGeom>
+          <a:noFill/>
+        </p:spPr>
+        <p:txBody>
+          <a:bodyPr wrap="square" rtlCol="0">
+            <a:spAutoFit/>
+          </a:bodyPr>
+          <a:lstStyle/>
+          <a:p>
+            <a:pPr algn="ctr"/>
+            <a:r>
+              <a:rPr lang="en-US" sz="1600" b="1" dirty="0" smtClean="0">
+                <a:solidFill>
+                  <a:srgbClr val="002060"/>
+                </a:solidFill>
+              </a:rPr>
+              <a:t>Original Scene</a:t>
+            </a:r>
+            <a:endParaRPr lang="en-US" sz="1600" b="1" dirty="0">
+              <a:solidFill>
+                <a:srgbClr val="002060"/>
+              </a:solidFill>
+            </a:endParaRPr>
+          </a:p>
+        </p:txBody>
+      </p:sp>
+      <p:sp>
+        <p:nvSpPr>
+          <p:cNvPr id="9" name="TextBox 8"/>
+          <p:cNvSpPr txBox="1"/>
+          <p:nvPr/>
+        </p:nvSpPr>
+        <p:spPr>
+          <a:xfrm>
+            <a:off x="5273130" y="6021288"/>
+            <a:ext cx="2673356" cy="338554"/>
+          </a:xfrm>
+          <a:prstGeom prst="rect">
+            <a:avLst/>
+          </a:prstGeom>
+          <a:noFill/>
+        </p:spPr>
+        <p:txBody>
+          <a:bodyPr wrap="square" rtlCol="0">
+            <a:spAutoFit/>
+          </a:bodyPr>
+          <a:lstStyle/>
+          <a:p>
+            <a:pPr algn="ctr"/>
+            <a:r>
+              <a:rPr lang="en-US" sz="1600" b="1" dirty="0" smtClean="0">
+                <a:solidFill>
+                  <a:srgbClr val="002060"/>
+                </a:solidFill>
+              </a:rPr>
+              <a:t>Recovered Scene</a:t>
+            </a:r>
+            <a:endParaRPr lang="en-US" sz="1600" b="1" dirty="0">
+              <a:solidFill>
+                <a:srgbClr val="002060"/>
+              </a:solidFill>
+            </a:endParaRPr>
+          </a:p>
+        </p:txBody>
+      </p:sp>
     </p:spTree>
     <p:extLst>
       <p:ext uri="{BB962C8B-B14F-4D97-AF65-F5344CB8AC3E}">
-        <p14:creationId xmlns:p14="http://schemas.microsoft.com/office/powerpoint/2010/main" val="929387296"/>
+        <p14:creationId xmlns:p14="http://schemas.microsoft.com/office/powerpoint/2010/main" val="1226251307"/>
       </p:ext>
     </p:extLst>
   </p:cSld>
@@ -5272,23 +6028,7 @@
                   <a:srgbClr val="002060"/>
                 </a:solidFill>
               </a:rPr>
-              <a:t>Results: x </a:t>
-            </a:r>
-            <a:r>
-              <a:rPr lang="en-US" cap="none" dirty="0" err="1" smtClean="0">
-                <a:solidFill>
-                  <a:srgbClr val="002060"/>
-                </a:solidFill>
-              </a:rPr>
-              <a:t>vs</a:t>
-            </a:r>
-            <a:r>
-              <a:rPr lang="en-US" cap="none" dirty="0" smtClean="0">
-                <a:solidFill>
-                  <a:srgbClr val="002060"/>
-                </a:solidFill>
-              </a:rPr>
-              <a:t> Bandwidth</a:t>
+              <a:t>Imaging Results: Sphere</a:t>
             </a:r>
             <a:endParaRPr lang="en-US" dirty="0">
               <a:solidFill>
@@ -5342,10 +6082,146 @@
           </a:p>
         </p:txBody>
       </p:sp>
+      <p:pic>
+        <p:nvPicPr>
+          <p:cNvPr id="6" name="Picture 5"/>
+          <p:cNvPicPr>
+            <a:picLocks noChangeAspect="1"/>
+          </p:cNvPicPr>
+          <p:nvPr/>
+        </p:nvPicPr>
+        <p:blipFill rotWithShape="1">
+          <a:blip r:embed="rId2">
+            <a:extLst>
+              <a:ext uri="{28A0092B-C50C-407E-A947-70E740481C1C}">
+                <a14:useLocalDpi xmlns:a14="http://schemas.microsoft.com/office/drawing/2010/main" val="0"/>
+              </a:ext>
+            </a:extLst>
+          </a:blip>
+          <a:srcRect l="8273" t="16709" r="8556" b="9774"/>
+          <a:stretch/>
+        </p:blipFill>
+        <p:spPr>
+          <a:xfrm>
+            <a:off x="467545" y="2154169"/>
+            <a:ext cx="3672408" cy="3792297"/>
+          </a:xfrm>
+          <a:prstGeom prst="rect">
+            <a:avLst/>
+          </a:prstGeom>
+        </p:spPr>
+      </p:pic>
+      <p:pic>
+        <p:nvPicPr>
+          <p:cNvPr id="7" name="Picture 6"/>
+          <p:cNvPicPr>
+            <a:picLocks noChangeAspect="1"/>
+          </p:cNvPicPr>
+          <p:nvPr/>
+        </p:nvPicPr>
+        <p:blipFill rotWithShape="1">
+          <a:blip r:embed="rId3">
+            <a:extLst>
+              <a:ext uri="{28A0092B-C50C-407E-A947-70E740481C1C}">
+                <a14:useLocalDpi xmlns:a14="http://schemas.microsoft.com/office/drawing/2010/main" val="0"/>
+              </a:ext>
+            </a:extLst>
+          </a:blip>
+          <a:srcRect l="6151" t="7493" r="6336" b="8592"/>
+          <a:stretch/>
+        </p:blipFill>
+        <p:spPr>
+          <a:xfrm>
+            <a:off x="4644008" y="2171407"/>
+            <a:ext cx="3816424" cy="3777873"/>
+          </a:xfrm>
+          <a:prstGeom prst="rect">
+            <a:avLst/>
+          </a:prstGeom>
+        </p:spPr>
+      </p:pic>
+      <p:sp>
+        <p:nvSpPr>
+          <p:cNvPr id="8" name="TextBox 7"/>
+          <p:cNvSpPr txBox="1"/>
+          <p:nvPr/>
+        </p:nvSpPr>
+        <p:spPr>
+          <a:xfrm>
+            <a:off x="1026367" y="6021288"/>
+            <a:ext cx="2554763" cy="338554"/>
+          </a:xfrm>
+          <a:prstGeom prst="rect">
+            <a:avLst/>
+          </a:prstGeom>
+          <a:noFill/>
+        </p:spPr>
+        <p:txBody>
+          <a:bodyPr wrap="square" rtlCol="0">
+            <a:spAutoFit/>
+          </a:bodyPr>
+          <a:lstStyle/>
+          <a:p>
+            <a:pPr algn="ctr"/>
+            <a:r>
+              <a:rPr lang="en-US" sz="1600" b="1" dirty="0" smtClean="0">
+                <a:solidFill>
+                  <a:srgbClr val="002060"/>
+                </a:solidFill>
+              </a:rPr>
+              <a:t>Original Scene</a:t>
+            </a:r>
+            <a:endParaRPr lang="en-US" sz="1600" b="1" dirty="0">
+              <a:solidFill>
+                <a:srgbClr val="002060"/>
+              </a:solidFill>
+            </a:endParaRPr>
+          </a:p>
+        </p:txBody>
+      </p:sp>
+      <p:sp>
+        <p:nvSpPr>
+          <p:cNvPr id="9" name="TextBox 8"/>
+          <p:cNvSpPr txBox="1"/>
+          <p:nvPr/>
+        </p:nvSpPr>
+        <p:spPr>
+          <a:xfrm>
+            <a:off x="5215542" y="6028954"/>
+            <a:ext cx="2673356" cy="338554"/>
+          </a:xfrm>
+          <a:prstGeom prst="rect">
+            <a:avLst/>
+          </a:prstGeom>
+          <a:noFill/>
+        </p:spPr>
+        <p:txBody>
+          <a:bodyPr wrap="square" rtlCol="0">
+            <a:spAutoFit/>
+          </a:bodyPr>
+          <a:lstStyle/>
+          <a:p>
+            <a:pPr algn="ctr"/>
+            <a:r>
+              <a:rPr lang="en-US" sz="1600" b="1" dirty="0" smtClean="0">
+                <a:solidFill>
+                  <a:srgbClr val="002060"/>
+                </a:solidFill>
+              </a:rPr>
+              <a:t>Recovered Scene</a:t>
+            </a:r>
+            <a:endParaRPr lang="en-US" sz="1600" b="1" dirty="0">
+              <a:solidFill>
+                <a:srgbClr val="002060"/>
+              </a:solidFill>
+            </a:endParaRPr>
+          </a:p>
+        </p:txBody>
+      </p:sp>
     </p:spTree>
     <p:extLst>
       <p:ext uri="{BB962C8B-B14F-4D97-AF65-F5344CB8AC3E}">
-        <p14:creationId xmlns:p14="http://schemas.microsoft.com/office/powerpoint/2010/main" val="3826312137"/>
+        <p14:creationId xmlns:p14="http://schemas.microsoft.com/office/powerpoint/2010/main" val="1283132622"/>
       </p:ext>
     </p:extLst>
   </p:cSld>
@@ -5405,15 +6281,7 @@
                   <a:srgbClr val="002060"/>
                 </a:solidFill>
               </a:rPr>
-              <a:t>Effect of </a:t>
-            </a:r>
-            <a:r>
-              <a:rPr lang="en-US" cap="none" dirty="0" err="1" smtClean="0">
-                <a:solidFill>
-                  <a:srgbClr val="002060"/>
-                </a:solidFill>
-              </a:rPr>
-              <a:t>Precomputation</a:t>
+              <a:t>Imaging Results: Human Skull</a:t>
             </a:r>
             <a:endParaRPr lang="en-US" dirty="0">
               <a:solidFill>
@@ -5467,10 +6335,154 @@
           </a:p>
         </p:txBody>
       </p:sp>
+      <p:pic>
+        <p:nvPicPr>
+          <p:cNvPr id="8" name="Picture 7"/>
+          <p:cNvPicPr>
+            <a:picLocks noChangeAspect="1"/>
+          </p:cNvPicPr>
+          <p:nvPr/>
+        </p:nvPicPr>
+        <p:blipFill rotWithShape="1">
+          <a:blip r:embed="rId2">
+            <a:extLst>
+              <a:ext uri="{28A0092B-C50C-407E-A947-70E740481C1C}">
+                <a14:useLocalDpi xmlns:a14="http://schemas.microsoft.com/office/drawing/2010/main" val="0"/>
+              </a:ext>
+            </a:extLst>
+          </a:blip>
+          <a:srcRect l="5775" t="7138" r="6081" b="8214"/>
+          <a:stretch/>
+        </p:blipFill>
+        <p:spPr>
+          <a:xfrm>
+            <a:off x="4716016" y="2060848"/>
+            <a:ext cx="3849513" cy="3816424"/>
+          </a:xfrm>
+          <a:prstGeom prst="rect">
+            <a:avLst/>
+          </a:prstGeom>
+        </p:spPr>
+      </p:pic>
+      <p:pic>
+        <p:nvPicPr>
+          <p:cNvPr id="9" name="Picture 8"/>
+          <p:cNvPicPr>
+            <a:picLocks noChangeAspect="1"/>
+          </p:cNvPicPr>
+          <p:nvPr/>
+        </p:nvPicPr>
+        <p:blipFill rotWithShape="1">
+          <a:blip r:embed="rId3">
+            <a:extLst>
+              <a:ext uri="{28A0092B-C50C-407E-A947-70E740481C1C}">
+                <a14:useLocalDpi xmlns:a14="http://schemas.microsoft.com/office/drawing/2010/main" val="0"/>
+              </a:ext>
+            </a:extLst>
+          </a:blip>
+          <a:srcRect l="6325" t="7158" r="6162" b="8072"/>
+          <a:stretch/>
+        </p:blipFill>
+        <p:spPr>
+          <a:xfrm>
+            <a:off x="467544" y="2050317"/>
+            <a:ext cx="3816424" cy="3816424"/>
+          </a:xfrm>
+          <a:prstGeom prst="rect">
+            <a:avLst/>
+          </a:prstGeom>
+        </p:spPr>
+      </p:pic>
+      <p:sp>
+        <p:nvSpPr>
+          <p:cNvPr id="10" name="TextBox 9"/>
+          <p:cNvSpPr txBox="1"/>
+          <p:nvPr/>
+        </p:nvSpPr>
+        <p:spPr>
+          <a:xfrm>
+            <a:off x="1098374" y="5975503"/>
+            <a:ext cx="2554763" cy="338554"/>
+          </a:xfrm>
+          <a:prstGeom prst="rect">
+            <a:avLst/>
+          </a:prstGeom>
+          <a:noFill/>
+        </p:spPr>
+        <p:txBody>
+          <a:bodyPr wrap="square" rtlCol="0">
+            <a:spAutoFit/>
+          </a:bodyPr>
+          <a:lstStyle/>
+          <a:p>
+            <a:pPr algn="ctr"/>
+            <a:r>
+              <a:rPr lang="en-US" sz="1600" b="1" dirty="0" smtClean="0">
+                <a:solidFill>
+                  <a:srgbClr val="002060"/>
+                </a:solidFill>
+              </a:rPr>
+              <a:t>Recovered </a:t>
+            </a:r>
+            <a:r>
+              <a:rPr lang="en-US" sz="1600" b="1" dirty="0" smtClean="0">
+                <a:solidFill>
+                  <a:srgbClr val="002060"/>
+                </a:solidFill>
+              </a:rPr>
+              <a:t>Scene</a:t>
+            </a:r>
+            <a:endParaRPr lang="en-US" sz="1600" b="1" dirty="0">
+              <a:solidFill>
+                <a:srgbClr val="002060"/>
+              </a:solidFill>
+            </a:endParaRPr>
+          </a:p>
+        </p:txBody>
+      </p:sp>
+      <p:sp>
+        <p:nvSpPr>
+          <p:cNvPr id="11" name="TextBox 10"/>
+          <p:cNvSpPr txBox="1"/>
+          <p:nvPr/>
+        </p:nvSpPr>
+        <p:spPr>
+          <a:xfrm>
+            <a:off x="5304094" y="5975503"/>
+            <a:ext cx="2673356" cy="338554"/>
+          </a:xfrm>
+          <a:prstGeom prst="rect">
+            <a:avLst/>
+          </a:prstGeom>
+          <a:noFill/>
+        </p:spPr>
+        <p:txBody>
+          <a:bodyPr wrap="square" rtlCol="0">
+            <a:spAutoFit/>
+          </a:bodyPr>
+          <a:lstStyle/>
+          <a:p>
+            <a:pPr algn="ctr"/>
+            <a:r>
+              <a:rPr lang="en-US" sz="1600" b="1" dirty="0" smtClean="0">
+                <a:solidFill>
+                  <a:srgbClr val="002060"/>
+                </a:solidFill>
+              </a:rPr>
+              <a:t>Recovered Scene</a:t>
+            </a:r>
+            <a:endParaRPr lang="en-US" sz="1600" b="1" dirty="0">
+              <a:solidFill>
+                <a:srgbClr val="002060"/>
+              </a:solidFill>
+            </a:endParaRPr>
+          </a:p>
+        </p:txBody>
+      </p:sp>
     </p:spTree>
     <p:extLst>
       <p:ext uri="{BB962C8B-B14F-4D97-AF65-F5344CB8AC3E}">
-        <p14:creationId xmlns:p14="http://schemas.microsoft.com/office/powerpoint/2010/main" val="1719329202"/>
+        <p14:creationId xmlns:p14="http://schemas.microsoft.com/office/powerpoint/2010/main" val="783288697"/>
       </p:ext>
     </p:extLst>
   </p:cSld>
@@ -5530,7 +6542,7 @@
                   <a:srgbClr val="002060"/>
                 </a:solidFill>
               </a:rPr>
-              <a:t>Conclusions</a:t>
+              <a:t>Timing and Memory Model</a:t>
             </a:r>
             <a:endParaRPr lang="en-US" dirty="0">
               <a:solidFill>
@@ -5587,7 +6599,7 @@
     </p:spTree>
     <p:extLst>
       <p:ext uri="{BB962C8B-B14F-4D97-AF65-F5344CB8AC3E}">
-        <p14:creationId xmlns:p14="http://schemas.microsoft.com/office/powerpoint/2010/main" val="2689401147"/>
+        <p14:creationId xmlns:p14="http://schemas.microsoft.com/office/powerpoint/2010/main" val="3344406106"/>
       </p:ext>
     </p:extLst>
   </p:cSld>
@@ -5647,7 +6659,7 @@
                   <a:srgbClr val="002060"/>
                 </a:solidFill>
               </a:rPr>
-              <a:t>Future Work</a:t>
+              <a:t>Network Simulator</a:t>
             </a:r>
             <a:endParaRPr lang="en-US" dirty="0">
               <a:solidFill>
@@ -5704,7 +6716,525 @@
     </p:spTree>
     <p:extLst>
       <p:ext uri="{BB962C8B-B14F-4D97-AF65-F5344CB8AC3E}">
-        <p14:creationId xmlns:p14="http://schemas.microsoft.com/office/powerpoint/2010/main" val="3720077246"/>
+        <p14:creationId xmlns:p14="http://schemas.microsoft.com/office/powerpoint/2010/main" val="3770460917"/>
+      </p:ext>
+    </p:extLst>
+  </p:cSld>
+  <p:clrMapOvr>
+    <a:masterClrMapping/>
+  </p:clrMapOvr>
+  <p:timing>
+    <p:tnLst>
+      <p:par>
+        <p:cTn id="1" dur="indefinite" restart="never" nodeType="tmRoot"/>
+      </p:par>
+    </p:tnLst>
+  </p:timing>
+</p:sld>
+</file>
+
+<file path=ppt/slides/slide26.xml><?xml version="1.0" encoding="utf-8"?>
+<p:sld xmlns:a="http://schemas.openxmlformats.org/drawingml/2006/main" xmlns:r="http://schemas.openxmlformats.org/officeDocument/2006/relationships" xmlns:p="http://schemas.openxmlformats.org/presentationml/2006/main">
+  <p:cSld>
+    <p:spTree>
+      <p:nvGrpSpPr>
+        <p:cNvPr id="1" name=""/>
+        <p:cNvGrpSpPr/>
+        <p:nvPr/>
+      </p:nvGrpSpPr>
+      <p:grpSpPr>
+        <a:xfrm>
+          <a:off x="0" y="0"/>
+          <a:ext cx="0" cy="0"/>
+          <a:chOff x="0" y="0"/>
+          <a:chExt cx="0" cy="0"/>
+        </a:xfrm>
+      </p:grpSpPr>
+      <p:sp>
+        <p:nvSpPr>
+          <p:cNvPr id="2" name="Title 1"/>
+          <p:cNvSpPr>
+            <a:spLocks noGrp="1"/>
+          </p:cNvSpPr>
+          <p:nvPr>
+            <p:ph type="title"/>
+          </p:nvPr>
+        </p:nvSpPr>
+        <p:spPr>
+          <a:xfrm>
+            <a:off x="457200" y="152718"/>
+            <a:ext cx="8147248" cy="900018"/>
+          </a:xfrm>
+        </p:spPr>
+        <p:txBody>
+          <a:bodyPr/>
+          <a:lstStyle/>
+          <a:p>
+            <a:r>
+              <a:rPr lang="en-US" cap="none" dirty="0" smtClean="0">
+                <a:solidFill>
+                  <a:srgbClr val="002060"/>
+                </a:solidFill>
+              </a:rPr>
+              <a:t>Communication Patterns</a:t>
+            </a:r>
+            <a:endParaRPr lang="en-US" dirty="0">
+              <a:solidFill>
+                <a:srgbClr val="002060"/>
+              </a:solidFill>
+            </a:endParaRPr>
+          </a:p>
+        </p:txBody>
+      </p:sp>
+      <p:sp>
+        <p:nvSpPr>
+          <p:cNvPr id="3" name="Content Placeholder 2"/>
+          <p:cNvSpPr>
+            <a:spLocks noGrp="1"/>
+          </p:cNvSpPr>
+          <p:nvPr>
+            <p:ph idx="1"/>
+          </p:nvPr>
+        </p:nvSpPr>
+        <p:spPr>
+          <a:xfrm>
+            <a:off x="457200" y="1124744"/>
+            <a:ext cx="7620000" cy="5001419"/>
+          </a:xfrm>
+        </p:spPr>
+        <p:txBody>
+          <a:bodyPr/>
+          <a:lstStyle/>
+          <a:p>
+            <a:r>
+              <a:rPr lang="en-US" dirty="0" err="1" smtClean="0"/>
+              <a:t>Yadda</a:t>
+            </a:r>
+            <a:r>
+              <a:rPr lang="en-US" dirty="0" smtClean="0"/>
+              <a:t> </a:t>
+            </a:r>
+            <a:r>
+              <a:rPr lang="en-US" dirty="0" err="1" smtClean="0"/>
+              <a:t>yadda</a:t>
+            </a:r>
+            <a:r>
+              <a:rPr lang="en-US" dirty="0" smtClean="0"/>
+              <a:t> </a:t>
+            </a:r>
+            <a:r>
+              <a:rPr lang="en-US" dirty="0" err="1" smtClean="0"/>
+              <a:t>yadda</a:t>
+            </a:r>
+            <a:endParaRPr lang="en-US" dirty="0"/>
+          </a:p>
+        </p:txBody>
+      </p:sp>
+      <p:pic>
+        <p:nvPicPr>
+          <p:cNvPr id="4" name="Picture 3"/>
+          <p:cNvPicPr>
+            <a:picLocks noChangeAspect="1"/>
+          </p:cNvPicPr>
+          <p:nvPr/>
+        </p:nvPicPr>
+        <p:blipFill>
+          <a:blip r:embed="rId2" cstate="print">
+            <a:extLst>
+              <a:ext uri="{28A0092B-C50C-407E-A947-70E740481C1C}">
+                <a14:useLocalDpi xmlns:a14="http://schemas.microsoft.com/office/drawing/2010/main" val="0"/>
+              </a:ext>
+            </a:extLst>
+          </a:blip>
+          <a:stretch>
+            <a:fillRect/>
+          </a:stretch>
+        </p:blipFill>
+        <p:spPr>
+          <a:xfrm>
+            <a:off x="1835696" y="1700808"/>
+            <a:ext cx="5070958" cy="4752528"/>
+          </a:xfrm>
+          <a:prstGeom prst="rect">
+            <a:avLst/>
+          </a:prstGeom>
+        </p:spPr>
+      </p:pic>
+    </p:spTree>
+    <p:extLst>
+      <p:ext uri="{BB962C8B-B14F-4D97-AF65-F5344CB8AC3E}">
+        <p14:creationId xmlns:p14="http://schemas.microsoft.com/office/powerpoint/2010/main" val="3875475215"/>
+      </p:ext>
+    </p:extLst>
+  </p:cSld>
+  <p:clrMapOvr>
+    <a:masterClrMapping/>
+  </p:clrMapOvr>
+  <p:timing>
+    <p:tnLst>
+      <p:par>
+        <p:cTn id="1" dur="indefinite" restart="never" nodeType="tmRoot"/>
+      </p:par>
+    </p:tnLst>
+  </p:timing>
+</p:sld>
+</file>
+
+<file path=ppt/slides/slide27.xml><?xml version="1.0" encoding="utf-8"?>
+<p:sld xmlns:a="http://schemas.openxmlformats.org/drawingml/2006/main" xmlns:r="http://schemas.openxmlformats.org/officeDocument/2006/relationships" xmlns:p="http://schemas.openxmlformats.org/presentationml/2006/main">
+  <p:cSld>
+    <p:spTree>
+      <p:nvGrpSpPr>
+        <p:cNvPr id="1" name=""/>
+        <p:cNvGrpSpPr/>
+        <p:nvPr/>
+      </p:nvGrpSpPr>
+      <p:grpSpPr>
+        <a:xfrm>
+          <a:off x="0" y="0"/>
+          <a:ext cx="0" cy="0"/>
+          <a:chOff x="0" y="0"/>
+          <a:chExt cx="0" cy="0"/>
+        </a:xfrm>
+      </p:grpSpPr>
+      <p:sp>
+        <p:nvSpPr>
+          <p:cNvPr id="2" name="Title 1"/>
+          <p:cNvSpPr>
+            <a:spLocks noGrp="1"/>
+          </p:cNvSpPr>
+          <p:nvPr>
+            <p:ph type="title"/>
+          </p:nvPr>
+        </p:nvSpPr>
+        <p:spPr>
+          <a:xfrm>
+            <a:off x="457200" y="152718"/>
+            <a:ext cx="8291264" cy="900018"/>
+          </a:xfrm>
+        </p:spPr>
+        <p:txBody>
+          <a:bodyPr>
+            <a:normAutofit/>
+          </a:bodyPr>
+          <a:lstStyle/>
+          <a:p>
+            <a:r>
+              <a:rPr lang="en-US" cap="none" dirty="0" smtClean="0">
+                <a:solidFill>
+                  <a:srgbClr val="002060"/>
+                </a:solidFill>
+              </a:rPr>
+              <a:t>Communication Patterns: Speed</a:t>
+            </a:r>
+            <a:endParaRPr lang="en-US" dirty="0">
+              <a:solidFill>
+                <a:srgbClr val="002060"/>
+              </a:solidFill>
+            </a:endParaRPr>
+          </a:p>
+        </p:txBody>
+      </p:sp>
+      <p:sp>
+        <p:nvSpPr>
+          <p:cNvPr id="3" name="Content Placeholder 2"/>
+          <p:cNvSpPr>
+            <a:spLocks noGrp="1"/>
+          </p:cNvSpPr>
+          <p:nvPr>
+            <p:ph idx="1"/>
+          </p:nvPr>
+        </p:nvSpPr>
+        <p:spPr>
+          <a:xfrm>
+            <a:off x="457200" y="1124744"/>
+            <a:ext cx="7620000" cy="5001419"/>
+          </a:xfrm>
+        </p:spPr>
+        <p:txBody>
+          <a:bodyPr/>
+          <a:lstStyle/>
+          <a:p>
+            <a:r>
+              <a:rPr lang="en-US" dirty="0" err="1" smtClean="0"/>
+              <a:t>Yadda</a:t>
+            </a:r>
+            <a:r>
+              <a:rPr lang="en-US" dirty="0" smtClean="0"/>
+              <a:t> </a:t>
+            </a:r>
+            <a:r>
+              <a:rPr lang="en-US" dirty="0" err="1" smtClean="0"/>
+              <a:t>yadda</a:t>
+            </a:r>
+            <a:r>
+              <a:rPr lang="en-US" dirty="0" smtClean="0"/>
+              <a:t> </a:t>
+            </a:r>
+            <a:r>
+              <a:rPr lang="en-US" dirty="0" err="1" smtClean="0"/>
+              <a:t>yadda</a:t>
+            </a:r>
+            <a:endParaRPr lang="en-US" dirty="0"/>
+          </a:p>
+        </p:txBody>
+      </p:sp>
+    </p:spTree>
+    <p:extLst>
+      <p:ext uri="{BB962C8B-B14F-4D97-AF65-F5344CB8AC3E}">
+        <p14:creationId xmlns:p14="http://schemas.microsoft.com/office/powerpoint/2010/main" val="1860026456"/>
+      </p:ext>
+    </p:extLst>
+  </p:cSld>
+  <p:clrMapOvr>
+    <a:masterClrMapping/>
+  </p:clrMapOvr>
+  <p:timing>
+    <p:tnLst>
+      <p:par>
+        <p:cTn id="1" dur="indefinite" restart="never" nodeType="tmRoot"/>
+      </p:par>
+    </p:tnLst>
+  </p:timing>
+</p:sld>
+</file>
+
+<file path=ppt/slides/slide28.xml><?xml version="1.0" encoding="utf-8"?>
+<p:sld xmlns:a="http://schemas.openxmlformats.org/drawingml/2006/main" xmlns:r="http://schemas.openxmlformats.org/officeDocument/2006/relationships" xmlns:p="http://schemas.openxmlformats.org/presentationml/2006/main">
+  <p:cSld>
+    <p:spTree>
+      <p:nvGrpSpPr>
+        <p:cNvPr id="1" name=""/>
+        <p:cNvGrpSpPr/>
+        <p:nvPr/>
+      </p:nvGrpSpPr>
+      <p:grpSpPr>
+        <a:xfrm>
+          <a:off x="0" y="0"/>
+          <a:ext cx="0" cy="0"/>
+          <a:chOff x="0" y="0"/>
+          <a:chExt cx="0" cy="0"/>
+        </a:xfrm>
+      </p:grpSpPr>
+      <p:sp>
+        <p:nvSpPr>
+          <p:cNvPr id="2" name="Title 1"/>
+          <p:cNvSpPr>
+            <a:spLocks noGrp="1"/>
+          </p:cNvSpPr>
+          <p:nvPr>
+            <p:ph type="title"/>
+          </p:nvPr>
+        </p:nvSpPr>
+        <p:spPr>
+          <a:xfrm>
+            <a:off x="457200" y="152718"/>
+            <a:ext cx="8147248" cy="900018"/>
+          </a:xfrm>
+        </p:spPr>
+        <p:txBody>
+          <a:bodyPr>
+            <a:normAutofit fontScale="90000"/>
+          </a:bodyPr>
+          <a:lstStyle/>
+          <a:p>
+            <a:r>
+              <a:rPr lang="en-US" cap="none" dirty="0" smtClean="0">
+                <a:solidFill>
+                  <a:srgbClr val="002060"/>
+                </a:solidFill>
+              </a:rPr>
+              <a:t>Communication Patterns: Memory</a:t>
+            </a:r>
+            <a:endParaRPr lang="en-US" dirty="0">
+              <a:solidFill>
+                <a:srgbClr val="002060"/>
+              </a:solidFill>
+            </a:endParaRPr>
+          </a:p>
+        </p:txBody>
+      </p:sp>
+      <p:sp>
+        <p:nvSpPr>
+          <p:cNvPr id="3" name="Content Placeholder 2"/>
+          <p:cNvSpPr>
+            <a:spLocks noGrp="1"/>
+          </p:cNvSpPr>
+          <p:nvPr>
+            <p:ph idx="1"/>
+          </p:nvPr>
+        </p:nvSpPr>
+        <p:spPr>
+          <a:xfrm>
+            <a:off x="457200" y="1124744"/>
+            <a:ext cx="7620000" cy="5001419"/>
+          </a:xfrm>
+        </p:spPr>
+        <p:txBody>
+          <a:bodyPr/>
+          <a:lstStyle/>
+          <a:p>
+            <a:r>
+              <a:rPr lang="en-US" dirty="0" err="1" smtClean="0"/>
+              <a:t>Yadda</a:t>
+            </a:r>
+            <a:r>
+              <a:rPr lang="en-US" dirty="0" smtClean="0"/>
+              <a:t> </a:t>
+            </a:r>
+            <a:r>
+              <a:rPr lang="en-US" dirty="0" err="1" smtClean="0"/>
+              <a:t>yadda</a:t>
+            </a:r>
+            <a:r>
+              <a:rPr lang="en-US" dirty="0" smtClean="0"/>
+              <a:t> </a:t>
+            </a:r>
+            <a:r>
+              <a:rPr lang="en-US" dirty="0" err="1" smtClean="0"/>
+              <a:t>yadda</a:t>
+            </a:r>
+            <a:endParaRPr lang="en-US" dirty="0"/>
+          </a:p>
+        </p:txBody>
+      </p:sp>
+    </p:spTree>
+    <p:extLst>
+      <p:ext uri="{BB962C8B-B14F-4D97-AF65-F5344CB8AC3E}">
+        <p14:creationId xmlns:p14="http://schemas.microsoft.com/office/powerpoint/2010/main" val="1724696326"/>
+      </p:ext>
+    </p:extLst>
+  </p:cSld>
+  <p:clrMapOvr>
+    <a:masterClrMapping/>
+  </p:clrMapOvr>
+  <p:timing>
+    <p:tnLst>
+      <p:par>
+        <p:cTn id="1" dur="indefinite" restart="never" nodeType="tmRoot"/>
+      </p:par>
+    </p:tnLst>
+  </p:timing>
+</p:sld>
+</file>
+
+<file path=ppt/slides/slide29.xml><?xml version="1.0" encoding="utf-8"?>
+<p:sld xmlns:a="http://schemas.openxmlformats.org/drawingml/2006/main" xmlns:r="http://schemas.openxmlformats.org/officeDocument/2006/relationships" xmlns:p="http://schemas.openxmlformats.org/presentationml/2006/main">
+  <p:cSld>
+    <p:spTree>
+      <p:nvGrpSpPr>
+        <p:cNvPr id="1" name=""/>
+        <p:cNvGrpSpPr/>
+        <p:nvPr/>
+      </p:nvGrpSpPr>
+      <p:grpSpPr>
+        <a:xfrm>
+          <a:off x="0" y="0"/>
+          <a:ext cx="0" cy="0"/>
+          <a:chOff x="0" y="0"/>
+          <a:chExt cx="0" cy="0"/>
+        </a:xfrm>
+      </p:grpSpPr>
+      <p:sp>
+        <p:nvSpPr>
+          <p:cNvPr id="2" name="Title 1"/>
+          <p:cNvSpPr>
+            <a:spLocks noGrp="1"/>
+          </p:cNvSpPr>
+          <p:nvPr>
+            <p:ph type="title"/>
+          </p:nvPr>
+        </p:nvSpPr>
+        <p:spPr>
+          <a:xfrm>
+            <a:off x="457200" y="152718"/>
+            <a:ext cx="8147248" cy="900018"/>
+          </a:xfrm>
+        </p:spPr>
+        <p:txBody>
+          <a:bodyPr/>
+          <a:lstStyle/>
+          <a:p>
+            <a:r>
+              <a:rPr lang="en-US" cap="none" dirty="0" smtClean="0">
+                <a:solidFill>
+                  <a:srgbClr val="002060"/>
+                </a:solidFill>
+              </a:rPr>
+              <a:t>Results: x </a:t>
+            </a:r>
+            <a:r>
+              <a:rPr lang="en-US" cap="none" dirty="0" err="1" smtClean="0">
+                <a:solidFill>
+                  <a:srgbClr val="002060"/>
+                </a:solidFill>
+              </a:rPr>
+              <a:t>vs</a:t>
+            </a:r>
+            <a:r>
+              <a:rPr lang="en-US" cap="none" dirty="0" smtClean="0">
+                <a:solidFill>
+                  <a:srgbClr val="002060"/>
+                </a:solidFill>
+              </a:rPr>
+              <a:t> Resolution</a:t>
+            </a:r>
+            <a:endParaRPr lang="en-US" dirty="0">
+              <a:solidFill>
+                <a:srgbClr val="002060"/>
+              </a:solidFill>
+            </a:endParaRPr>
+          </a:p>
+        </p:txBody>
+      </p:sp>
+      <p:sp>
+        <p:nvSpPr>
+          <p:cNvPr id="3" name="Content Placeholder 2"/>
+          <p:cNvSpPr>
+            <a:spLocks noGrp="1"/>
+          </p:cNvSpPr>
+          <p:nvPr>
+            <p:ph idx="1"/>
+          </p:nvPr>
+        </p:nvSpPr>
+        <p:spPr>
+          <a:xfrm>
+            <a:off x="457200" y="1124744"/>
+            <a:ext cx="7620000" cy="5001419"/>
+          </a:xfrm>
+        </p:spPr>
+        <p:txBody>
+          <a:bodyPr/>
+          <a:lstStyle/>
+          <a:p>
+            <a:r>
+              <a:rPr lang="en-US" dirty="0" err="1" smtClean="0"/>
+              <a:t>Yadda</a:t>
+            </a:r>
+            <a:r>
+              <a:rPr lang="en-US" dirty="0" smtClean="0"/>
+              <a:t> </a:t>
+            </a:r>
+            <a:r>
+              <a:rPr lang="en-US" dirty="0" err="1" smtClean="0"/>
+              <a:t>yadda</a:t>
+            </a:r>
+            <a:r>
+              <a:rPr lang="en-US" dirty="0" smtClean="0"/>
+              <a:t> </a:t>
+            </a:r>
+            <a:r>
+              <a:rPr lang="en-US" dirty="0" err="1" smtClean="0"/>
+              <a:t>yadda</a:t>
+            </a:r>
+            <a:endParaRPr lang="en-US" dirty="0"/>
+          </a:p>
+        </p:txBody>
+      </p:sp>
+    </p:spTree>
+    <p:extLst>
+      <p:ext uri="{BB962C8B-B14F-4D97-AF65-F5344CB8AC3E}">
+        <p14:creationId xmlns:p14="http://schemas.microsoft.com/office/powerpoint/2010/main" val="50530151"/>
       </p:ext>
     </p:extLst>
   </p:cSld>
@@ -5813,22 +7343,22 @@
               <a:buChar char="•"/>
             </a:pPr>
             <a:r>
-              <a:rPr lang="en-US" dirty="0"/>
+              <a:rPr lang="en-US" b="0" dirty="0"/>
               <a:t>U</a:t>
             </a:r>
             <a:r>
-              <a:rPr lang="en-US" dirty="0" smtClean="0"/>
+              <a:rPr lang="en-US" b="0" dirty="0" smtClean="0"/>
               <a:t>se </a:t>
             </a:r>
             <a:r>
-              <a:rPr lang="en-US" dirty="0"/>
+              <a:rPr lang="en-US" b="0" dirty="0"/>
               <a:t>the radio transceivers to image the </a:t>
             </a:r>
             <a:r>
-              <a:rPr lang="en-US" dirty="0" smtClean="0"/>
+              <a:rPr lang="en-US" b="0" dirty="0" smtClean="0"/>
               <a:t>room</a:t>
             </a:r>
-            <a:endParaRPr lang="en-US" dirty="0"/>
+            <a:endParaRPr lang="en-US" b="0" dirty="0"/>
           </a:p>
           <a:p>
             <a:endParaRPr lang="en-US" dirty="0"/>
@@ -5849,19 +7379,19 @@
               <a:buChar char="•"/>
             </a:pPr>
             <a:r>
-              <a:rPr lang="en-US" dirty="0"/>
+              <a:rPr lang="en-US" b="0" dirty="0"/>
               <a:t>E</a:t>
             </a:r>
             <a:r>
-              <a:rPr lang="en-US" dirty="0" smtClean="0"/>
+              <a:rPr lang="en-US" b="0" dirty="0" smtClean="0"/>
               <a:t>ach </a:t>
             </a:r>
             <a:r>
-              <a:rPr lang="en-US" dirty="0"/>
+              <a:rPr lang="en-US" b="0" dirty="0"/>
               <a:t>radio transmits </a:t>
             </a:r>
             <a:r>
-              <a:rPr lang="en-US" dirty="0" smtClean="0"/>
+              <a:rPr lang="en-US" b="0" dirty="0" smtClean="0"/>
               <a:t>pulses and records echoes</a:t>
             </a:r>
           </a:p>
@@ -5871,18 +7401,18 @@
               <a:buChar char="•"/>
             </a:pPr>
             <a:r>
-              <a:rPr lang="en-US" dirty="0" smtClean="0"/>
+              <a:rPr lang="en-US" b="0" dirty="0" smtClean="0"/>
               <a:t>The echoes are </a:t>
             </a:r>
             <a:r>
-              <a:rPr lang="en-US" dirty="0"/>
+              <a:rPr lang="en-US" b="0" dirty="0"/>
               <a:t>combined using SAR techniques to form an </a:t>
             </a:r>
             <a:r>
-              <a:rPr lang="en-US" dirty="0" smtClean="0"/>
+              <a:rPr lang="en-US" b="0" dirty="0" smtClean="0"/>
               <a:t>image</a:t>
             </a:r>
-            <a:endParaRPr lang="en-US" dirty="0"/>
+            <a:endParaRPr lang="en-US" b="0" dirty="0"/>
           </a:p>
           <a:p>
             <a:endParaRPr lang="en-US" dirty="0"/>
@@ -5903,15 +7433,15 @@
               <a:buChar char="•"/>
             </a:pPr>
             <a:r>
-              <a:rPr lang="en-US" dirty="0"/>
+              <a:rPr lang="en-US" b="0" dirty="0"/>
               <a:t>Response distributed amongst </a:t>
             </a:r>
             <a:r>
-              <a:rPr lang="en-US" dirty="0" smtClean="0"/>
+              <a:rPr lang="en-US" b="0" dirty="0" smtClean="0"/>
               <a:t>the 16 </a:t>
             </a:r>
             <a:r>
-              <a:rPr lang="en-US" dirty="0"/>
+              <a:rPr lang="en-US" b="0" dirty="0"/>
               <a:t>000 processors</a:t>
             </a:r>
           </a:p>
@@ -5921,15 +7451,15 @@
               <a:buChar char="•"/>
             </a:pPr>
             <a:r>
-              <a:rPr lang="en-US" dirty="0"/>
+              <a:rPr lang="en-US" b="0" dirty="0"/>
               <a:t>Restrictive </a:t>
             </a:r>
             <a:r>
-              <a:rPr lang="en-US" dirty="0" smtClean="0"/>
+              <a:rPr lang="en-US" b="0" dirty="0" smtClean="0"/>
               <a:t>2D mesh </a:t>
             </a:r>
             <a:r>
-              <a:rPr lang="en-US" dirty="0"/>
+              <a:rPr lang="en-US" b="0" dirty="0"/>
               <a:t>topology</a:t>
             </a:r>
           </a:p>
@@ -5939,14 +7469,14 @@
               <a:buChar char="•"/>
             </a:pPr>
             <a:r>
-              <a:rPr lang="en-US" dirty="0"/>
+              <a:rPr lang="en-US" b="0" dirty="0"/>
               <a:t>Limited local memory per </a:t>
             </a:r>
             <a:r>
-              <a:rPr lang="en-US" dirty="0" smtClean="0"/>
+              <a:rPr lang="en-US" b="0" dirty="0" smtClean="0"/>
               <a:t>processor (100KB)</a:t>
             </a:r>
-            <a:endParaRPr lang="en-US" dirty="0"/>
+            <a:endParaRPr lang="en-US" b="0" dirty="0"/>
           </a:p>
         </p:txBody>
       </p:sp>
@@ -5954,6 +7484,897 @@
     <p:extLst>
       <p:ext uri="{BB962C8B-B14F-4D97-AF65-F5344CB8AC3E}">
         <p14:creationId xmlns:p14="http://schemas.microsoft.com/office/powerpoint/2010/main" val="4074000873"/>
+      </p:ext>
+    </p:extLst>
+  </p:cSld>
+  <p:clrMapOvr>
+    <a:masterClrMapping/>
+  </p:clrMapOvr>
+  <p:timing>
+    <p:tnLst>
+      <p:par>
+        <p:cTn id="1" dur="indefinite" restart="never" nodeType="tmRoot"/>
+      </p:par>
+    </p:tnLst>
+  </p:timing>
+</p:sld>
+</file>
+
+<file path=ppt/slides/slide30.xml><?xml version="1.0" encoding="utf-8"?>
+<p:sld xmlns:a="http://schemas.openxmlformats.org/drawingml/2006/main" xmlns:r="http://schemas.openxmlformats.org/officeDocument/2006/relationships" xmlns:p="http://schemas.openxmlformats.org/presentationml/2006/main">
+  <p:cSld>
+    <p:spTree>
+      <p:nvGrpSpPr>
+        <p:cNvPr id="1" name=""/>
+        <p:cNvGrpSpPr/>
+        <p:nvPr/>
+      </p:nvGrpSpPr>
+      <p:grpSpPr>
+        <a:xfrm>
+          <a:off x="0" y="0"/>
+          <a:ext cx="0" cy="0"/>
+          <a:chOff x="0" y="0"/>
+          <a:chExt cx="0" cy="0"/>
+        </a:xfrm>
+      </p:grpSpPr>
+      <p:sp>
+        <p:nvSpPr>
+          <p:cNvPr id="2" name="Title 1"/>
+          <p:cNvSpPr>
+            <a:spLocks noGrp="1"/>
+          </p:cNvSpPr>
+          <p:nvPr>
+            <p:ph type="title"/>
+          </p:nvPr>
+        </p:nvSpPr>
+        <p:spPr>
+          <a:xfrm>
+            <a:off x="457200" y="152718"/>
+            <a:ext cx="8147248" cy="900018"/>
+          </a:xfrm>
+        </p:spPr>
+        <p:txBody>
+          <a:bodyPr/>
+          <a:lstStyle/>
+          <a:p>
+            <a:r>
+              <a:rPr lang="en-US" cap="none" dirty="0" smtClean="0">
+                <a:solidFill>
+                  <a:srgbClr val="002060"/>
+                </a:solidFill>
+              </a:rPr>
+              <a:t>Results: x </a:t>
+            </a:r>
+            <a:r>
+              <a:rPr lang="en-US" cap="none" dirty="0" err="1" smtClean="0">
+                <a:solidFill>
+                  <a:srgbClr val="002060"/>
+                </a:solidFill>
+              </a:rPr>
+              <a:t>vs</a:t>
+            </a:r>
+            <a:r>
+              <a:rPr lang="en-US" cap="none" dirty="0" smtClean="0">
+                <a:solidFill>
+                  <a:srgbClr val="002060"/>
+                </a:solidFill>
+              </a:rPr>
+              <a:t> Resolution</a:t>
+            </a:r>
+            <a:endParaRPr lang="en-US" dirty="0">
+              <a:solidFill>
+                <a:srgbClr val="002060"/>
+              </a:solidFill>
+            </a:endParaRPr>
+          </a:p>
+        </p:txBody>
+      </p:sp>
+      <p:sp>
+        <p:nvSpPr>
+          <p:cNvPr id="3" name="Content Placeholder 2"/>
+          <p:cNvSpPr>
+            <a:spLocks noGrp="1"/>
+          </p:cNvSpPr>
+          <p:nvPr>
+            <p:ph idx="1"/>
+          </p:nvPr>
+        </p:nvSpPr>
+        <p:spPr>
+          <a:xfrm>
+            <a:off x="457200" y="1124744"/>
+            <a:ext cx="7620000" cy="5001419"/>
+          </a:xfrm>
+        </p:spPr>
+        <p:txBody>
+          <a:bodyPr/>
+          <a:lstStyle/>
+          <a:p>
+            <a:r>
+              <a:rPr lang="en-US" dirty="0" err="1" smtClean="0"/>
+              <a:t>Yadda</a:t>
+            </a:r>
+            <a:r>
+              <a:rPr lang="en-US" dirty="0" smtClean="0"/>
+              <a:t> </a:t>
+            </a:r>
+            <a:r>
+              <a:rPr lang="en-US" dirty="0" err="1" smtClean="0"/>
+              <a:t>yadda</a:t>
+            </a:r>
+            <a:r>
+              <a:rPr lang="en-US" dirty="0" smtClean="0"/>
+              <a:t> </a:t>
+            </a:r>
+            <a:r>
+              <a:rPr lang="en-US" dirty="0" err="1" smtClean="0"/>
+              <a:t>yadda</a:t>
+            </a:r>
+            <a:endParaRPr lang="en-US" dirty="0"/>
+          </a:p>
+        </p:txBody>
+      </p:sp>
+    </p:spTree>
+    <p:extLst>
+      <p:ext uri="{BB962C8B-B14F-4D97-AF65-F5344CB8AC3E}">
+        <p14:creationId xmlns:p14="http://schemas.microsoft.com/office/powerpoint/2010/main" val="2280466211"/>
+      </p:ext>
+    </p:extLst>
+  </p:cSld>
+  <p:clrMapOvr>
+    <a:masterClrMapping/>
+  </p:clrMapOvr>
+  <p:timing>
+    <p:tnLst>
+      <p:par>
+        <p:cTn id="1" dur="indefinite" restart="never" nodeType="tmRoot"/>
+      </p:par>
+    </p:tnLst>
+  </p:timing>
+</p:sld>
+</file>
+
+<file path=ppt/slides/slide31.xml><?xml version="1.0" encoding="utf-8"?>
+<p:sld xmlns:a="http://schemas.openxmlformats.org/drawingml/2006/main" xmlns:r="http://schemas.openxmlformats.org/officeDocument/2006/relationships" xmlns:p="http://schemas.openxmlformats.org/presentationml/2006/main">
+  <p:cSld>
+    <p:spTree>
+      <p:nvGrpSpPr>
+        <p:cNvPr id="1" name=""/>
+        <p:cNvGrpSpPr/>
+        <p:nvPr/>
+      </p:nvGrpSpPr>
+      <p:grpSpPr>
+        <a:xfrm>
+          <a:off x="0" y="0"/>
+          <a:ext cx="0" cy="0"/>
+          <a:chOff x="0" y="0"/>
+          <a:chExt cx="0" cy="0"/>
+        </a:xfrm>
+      </p:grpSpPr>
+      <p:sp>
+        <p:nvSpPr>
+          <p:cNvPr id="2" name="Title 1"/>
+          <p:cNvSpPr>
+            <a:spLocks noGrp="1"/>
+          </p:cNvSpPr>
+          <p:nvPr>
+            <p:ph type="title"/>
+          </p:nvPr>
+        </p:nvSpPr>
+        <p:spPr>
+          <a:xfrm>
+            <a:off x="457200" y="152718"/>
+            <a:ext cx="8147248" cy="900018"/>
+          </a:xfrm>
+        </p:spPr>
+        <p:txBody>
+          <a:bodyPr/>
+          <a:lstStyle/>
+          <a:p>
+            <a:r>
+              <a:rPr lang="en-US" cap="none" dirty="0" smtClean="0">
+                <a:solidFill>
+                  <a:srgbClr val="002060"/>
+                </a:solidFill>
+              </a:rPr>
+              <a:t>Results: x </a:t>
+            </a:r>
+            <a:r>
+              <a:rPr lang="en-US" cap="none" dirty="0" err="1" smtClean="0">
+                <a:solidFill>
+                  <a:srgbClr val="002060"/>
+                </a:solidFill>
+              </a:rPr>
+              <a:t>vs</a:t>
+            </a:r>
+            <a:r>
+              <a:rPr lang="en-US" cap="none" dirty="0" smtClean="0">
+                <a:solidFill>
+                  <a:srgbClr val="002060"/>
+                </a:solidFill>
+              </a:rPr>
+              <a:t> Resolution</a:t>
+            </a:r>
+            <a:endParaRPr lang="en-US" dirty="0">
+              <a:solidFill>
+                <a:srgbClr val="002060"/>
+              </a:solidFill>
+            </a:endParaRPr>
+          </a:p>
+        </p:txBody>
+      </p:sp>
+      <p:sp>
+        <p:nvSpPr>
+          <p:cNvPr id="3" name="Content Placeholder 2"/>
+          <p:cNvSpPr>
+            <a:spLocks noGrp="1"/>
+          </p:cNvSpPr>
+          <p:nvPr>
+            <p:ph idx="1"/>
+          </p:nvPr>
+        </p:nvSpPr>
+        <p:spPr>
+          <a:xfrm>
+            <a:off x="457200" y="1124744"/>
+            <a:ext cx="7620000" cy="5001419"/>
+          </a:xfrm>
+        </p:spPr>
+        <p:txBody>
+          <a:bodyPr/>
+          <a:lstStyle/>
+          <a:p>
+            <a:r>
+              <a:rPr lang="en-US" dirty="0" err="1" smtClean="0"/>
+              <a:t>Yadda</a:t>
+            </a:r>
+            <a:r>
+              <a:rPr lang="en-US" dirty="0" smtClean="0"/>
+              <a:t> </a:t>
+            </a:r>
+            <a:r>
+              <a:rPr lang="en-US" dirty="0" err="1" smtClean="0"/>
+              <a:t>yadda</a:t>
+            </a:r>
+            <a:r>
+              <a:rPr lang="en-US" dirty="0" smtClean="0"/>
+              <a:t> </a:t>
+            </a:r>
+            <a:r>
+              <a:rPr lang="en-US" dirty="0" err="1" smtClean="0"/>
+              <a:t>yadda</a:t>
+            </a:r>
+            <a:endParaRPr lang="en-US" dirty="0"/>
+          </a:p>
+        </p:txBody>
+      </p:sp>
+    </p:spTree>
+    <p:extLst>
+      <p:ext uri="{BB962C8B-B14F-4D97-AF65-F5344CB8AC3E}">
+        <p14:creationId xmlns:p14="http://schemas.microsoft.com/office/powerpoint/2010/main" val="4030008405"/>
+      </p:ext>
+    </p:extLst>
+  </p:cSld>
+  <p:clrMapOvr>
+    <a:masterClrMapping/>
+  </p:clrMapOvr>
+  <p:timing>
+    <p:tnLst>
+      <p:par>
+        <p:cTn id="1" dur="indefinite" restart="never" nodeType="tmRoot"/>
+      </p:par>
+    </p:tnLst>
+  </p:timing>
+</p:sld>
+</file>
+
+<file path=ppt/slides/slide32.xml><?xml version="1.0" encoding="utf-8"?>
+<p:sld xmlns:a="http://schemas.openxmlformats.org/drawingml/2006/main" xmlns:r="http://schemas.openxmlformats.org/officeDocument/2006/relationships" xmlns:p="http://schemas.openxmlformats.org/presentationml/2006/main">
+  <p:cSld>
+    <p:spTree>
+      <p:nvGrpSpPr>
+        <p:cNvPr id="1" name=""/>
+        <p:cNvGrpSpPr/>
+        <p:nvPr/>
+      </p:nvGrpSpPr>
+      <p:grpSpPr>
+        <a:xfrm>
+          <a:off x="0" y="0"/>
+          <a:ext cx="0" cy="0"/>
+          <a:chOff x="0" y="0"/>
+          <a:chExt cx="0" cy="0"/>
+        </a:xfrm>
+      </p:grpSpPr>
+      <p:sp>
+        <p:nvSpPr>
+          <p:cNvPr id="2" name="Title 1"/>
+          <p:cNvSpPr>
+            <a:spLocks noGrp="1"/>
+          </p:cNvSpPr>
+          <p:nvPr>
+            <p:ph type="title"/>
+          </p:nvPr>
+        </p:nvSpPr>
+        <p:spPr>
+          <a:xfrm>
+            <a:off x="457200" y="152718"/>
+            <a:ext cx="8147248" cy="900018"/>
+          </a:xfrm>
+        </p:spPr>
+        <p:txBody>
+          <a:bodyPr/>
+          <a:lstStyle/>
+          <a:p>
+            <a:r>
+              <a:rPr lang="en-US" cap="none" dirty="0" smtClean="0">
+                <a:solidFill>
+                  <a:srgbClr val="002060"/>
+                </a:solidFill>
+              </a:rPr>
+              <a:t>Results: x </a:t>
+            </a:r>
+            <a:r>
+              <a:rPr lang="en-US" cap="none" dirty="0" err="1" smtClean="0">
+                <a:solidFill>
+                  <a:srgbClr val="002060"/>
+                </a:solidFill>
+              </a:rPr>
+              <a:t>vs</a:t>
+            </a:r>
+            <a:r>
+              <a:rPr lang="en-US" cap="none" dirty="0" smtClean="0">
+                <a:solidFill>
+                  <a:srgbClr val="002060"/>
+                </a:solidFill>
+              </a:rPr>
+              <a:t> Bandwidth</a:t>
+            </a:r>
+            <a:endParaRPr lang="en-US" dirty="0">
+              <a:solidFill>
+                <a:srgbClr val="002060"/>
+              </a:solidFill>
+            </a:endParaRPr>
+          </a:p>
+        </p:txBody>
+      </p:sp>
+      <p:sp>
+        <p:nvSpPr>
+          <p:cNvPr id="3" name="Content Placeholder 2"/>
+          <p:cNvSpPr>
+            <a:spLocks noGrp="1"/>
+          </p:cNvSpPr>
+          <p:nvPr>
+            <p:ph idx="1"/>
+          </p:nvPr>
+        </p:nvSpPr>
+        <p:spPr>
+          <a:xfrm>
+            <a:off x="457200" y="1124744"/>
+            <a:ext cx="7620000" cy="5001419"/>
+          </a:xfrm>
+        </p:spPr>
+        <p:txBody>
+          <a:bodyPr/>
+          <a:lstStyle/>
+          <a:p>
+            <a:r>
+              <a:rPr lang="en-US" dirty="0" err="1" smtClean="0"/>
+              <a:t>Yadda</a:t>
+            </a:r>
+            <a:r>
+              <a:rPr lang="en-US" dirty="0" smtClean="0"/>
+              <a:t> </a:t>
+            </a:r>
+            <a:r>
+              <a:rPr lang="en-US" dirty="0" err="1" smtClean="0"/>
+              <a:t>yadda</a:t>
+            </a:r>
+            <a:r>
+              <a:rPr lang="en-US" dirty="0" smtClean="0"/>
+              <a:t> </a:t>
+            </a:r>
+            <a:r>
+              <a:rPr lang="en-US" dirty="0" err="1" smtClean="0"/>
+              <a:t>yadda</a:t>
+            </a:r>
+            <a:endParaRPr lang="en-US" dirty="0"/>
+          </a:p>
+        </p:txBody>
+      </p:sp>
+    </p:spTree>
+    <p:extLst>
+      <p:ext uri="{BB962C8B-B14F-4D97-AF65-F5344CB8AC3E}">
+        <p14:creationId xmlns:p14="http://schemas.microsoft.com/office/powerpoint/2010/main" val="929387296"/>
+      </p:ext>
+    </p:extLst>
+  </p:cSld>
+  <p:clrMapOvr>
+    <a:masterClrMapping/>
+  </p:clrMapOvr>
+  <p:timing>
+    <p:tnLst>
+      <p:par>
+        <p:cTn id="1" dur="indefinite" restart="never" nodeType="tmRoot"/>
+      </p:par>
+    </p:tnLst>
+  </p:timing>
+</p:sld>
+</file>
+
+<file path=ppt/slides/slide33.xml><?xml version="1.0" encoding="utf-8"?>
+<p:sld xmlns:a="http://schemas.openxmlformats.org/drawingml/2006/main" xmlns:r="http://schemas.openxmlformats.org/officeDocument/2006/relationships" xmlns:p="http://schemas.openxmlformats.org/presentationml/2006/main">
+  <p:cSld>
+    <p:spTree>
+      <p:nvGrpSpPr>
+        <p:cNvPr id="1" name=""/>
+        <p:cNvGrpSpPr/>
+        <p:nvPr/>
+      </p:nvGrpSpPr>
+      <p:grpSpPr>
+        <a:xfrm>
+          <a:off x="0" y="0"/>
+          <a:ext cx="0" cy="0"/>
+          <a:chOff x="0" y="0"/>
+          <a:chExt cx="0" cy="0"/>
+        </a:xfrm>
+      </p:grpSpPr>
+      <p:sp>
+        <p:nvSpPr>
+          <p:cNvPr id="2" name="Title 1"/>
+          <p:cNvSpPr>
+            <a:spLocks noGrp="1"/>
+          </p:cNvSpPr>
+          <p:nvPr>
+            <p:ph type="title"/>
+          </p:nvPr>
+        </p:nvSpPr>
+        <p:spPr>
+          <a:xfrm>
+            <a:off x="457200" y="152718"/>
+            <a:ext cx="8147248" cy="900018"/>
+          </a:xfrm>
+        </p:spPr>
+        <p:txBody>
+          <a:bodyPr/>
+          <a:lstStyle/>
+          <a:p>
+            <a:r>
+              <a:rPr lang="en-US" cap="none" dirty="0" smtClean="0">
+                <a:solidFill>
+                  <a:srgbClr val="002060"/>
+                </a:solidFill>
+              </a:rPr>
+              <a:t>Results: x </a:t>
+            </a:r>
+            <a:r>
+              <a:rPr lang="en-US" cap="none" dirty="0" err="1" smtClean="0">
+                <a:solidFill>
+                  <a:srgbClr val="002060"/>
+                </a:solidFill>
+              </a:rPr>
+              <a:t>vs</a:t>
+            </a:r>
+            <a:r>
+              <a:rPr lang="en-US" cap="none" dirty="0" smtClean="0">
+                <a:solidFill>
+                  <a:srgbClr val="002060"/>
+                </a:solidFill>
+              </a:rPr>
+              <a:t> Bandwidth</a:t>
+            </a:r>
+            <a:endParaRPr lang="en-US" dirty="0">
+              <a:solidFill>
+                <a:srgbClr val="002060"/>
+              </a:solidFill>
+            </a:endParaRPr>
+          </a:p>
+        </p:txBody>
+      </p:sp>
+      <p:sp>
+        <p:nvSpPr>
+          <p:cNvPr id="3" name="Content Placeholder 2"/>
+          <p:cNvSpPr>
+            <a:spLocks noGrp="1"/>
+          </p:cNvSpPr>
+          <p:nvPr>
+            <p:ph idx="1"/>
+          </p:nvPr>
+        </p:nvSpPr>
+        <p:spPr>
+          <a:xfrm>
+            <a:off x="457200" y="1124744"/>
+            <a:ext cx="7620000" cy="5001419"/>
+          </a:xfrm>
+        </p:spPr>
+        <p:txBody>
+          <a:bodyPr/>
+          <a:lstStyle/>
+          <a:p>
+            <a:r>
+              <a:rPr lang="en-US" dirty="0" err="1" smtClean="0"/>
+              <a:t>Yadda</a:t>
+            </a:r>
+            <a:r>
+              <a:rPr lang="en-US" dirty="0" smtClean="0"/>
+              <a:t> </a:t>
+            </a:r>
+            <a:r>
+              <a:rPr lang="en-US" dirty="0" err="1" smtClean="0"/>
+              <a:t>yadda</a:t>
+            </a:r>
+            <a:r>
+              <a:rPr lang="en-US" dirty="0" smtClean="0"/>
+              <a:t> </a:t>
+            </a:r>
+            <a:r>
+              <a:rPr lang="en-US" dirty="0" err="1" smtClean="0"/>
+              <a:t>yadda</a:t>
+            </a:r>
+            <a:endParaRPr lang="en-US" dirty="0"/>
+          </a:p>
+        </p:txBody>
+      </p:sp>
+    </p:spTree>
+    <p:extLst>
+      <p:ext uri="{BB962C8B-B14F-4D97-AF65-F5344CB8AC3E}">
+        <p14:creationId xmlns:p14="http://schemas.microsoft.com/office/powerpoint/2010/main" val="3826312137"/>
+      </p:ext>
+    </p:extLst>
+  </p:cSld>
+  <p:clrMapOvr>
+    <a:masterClrMapping/>
+  </p:clrMapOvr>
+  <p:timing>
+    <p:tnLst>
+      <p:par>
+        <p:cTn id="1" dur="indefinite" restart="never" nodeType="tmRoot"/>
+      </p:par>
+    </p:tnLst>
+  </p:timing>
+</p:sld>
+</file>
+
+<file path=ppt/slides/slide34.xml><?xml version="1.0" encoding="utf-8"?>
+<p:sld xmlns:a="http://schemas.openxmlformats.org/drawingml/2006/main" xmlns:r="http://schemas.openxmlformats.org/officeDocument/2006/relationships" xmlns:p="http://schemas.openxmlformats.org/presentationml/2006/main">
+  <p:cSld>
+    <p:spTree>
+      <p:nvGrpSpPr>
+        <p:cNvPr id="1" name=""/>
+        <p:cNvGrpSpPr/>
+        <p:nvPr/>
+      </p:nvGrpSpPr>
+      <p:grpSpPr>
+        <a:xfrm>
+          <a:off x="0" y="0"/>
+          <a:ext cx="0" cy="0"/>
+          <a:chOff x="0" y="0"/>
+          <a:chExt cx="0" cy="0"/>
+        </a:xfrm>
+      </p:grpSpPr>
+      <p:sp>
+        <p:nvSpPr>
+          <p:cNvPr id="2" name="Title 1"/>
+          <p:cNvSpPr>
+            <a:spLocks noGrp="1"/>
+          </p:cNvSpPr>
+          <p:nvPr>
+            <p:ph type="title"/>
+          </p:nvPr>
+        </p:nvSpPr>
+        <p:spPr>
+          <a:xfrm>
+            <a:off x="457200" y="152718"/>
+            <a:ext cx="8147248" cy="900018"/>
+          </a:xfrm>
+        </p:spPr>
+        <p:txBody>
+          <a:bodyPr/>
+          <a:lstStyle/>
+          <a:p>
+            <a:r>
+              <a:rPr lang="en-US" cap="none" dirty="0" smtClean="0">
+                <a:solidFill>
+                  <a:srgbClr val="002060"/>
+                </a:solidFill>
+              </a:rPr>
+              <a:t>Effect of </a:t>
+            </a:r>
+            <a:r>
+              <a:rPr lang="en-US" cap="none" dirty="0" err="1" smtClean="0">
+                <a:solidFill>
+                  <a:srgbClr val="002060"/>
+                </a:solidFill>
+              </a:rPr>
+              <a:t>Precomputation</a:t>
+            </a:r>
+            <a:endParaRPr lang="en-US" dirty="0">
+              <a:solidFill>
+                <a:srgbClr val="002060"/>
+              </a:solidFill>
+            </a:endParaRPr>
+          </a:p>
+        </p:txBody>
+      </p:sp>
+      <p:sp>
+        <p:nvSpPr>
+          <p:cNvPr id="3" name="Content Placeholder 2"/>
+          <p:cNvSpPr>
+            <a:spLocks noGrp="1"/>
+          </p:cNvSpPr>
+          <p:nvPr>
+            <p:ph idx="1"/>
+          </p:nvPr>
+        </p:nvSpPr>
+        <p:spPr>
+          <a:xfrm>
+            <a:off x="457200" y="1124744"/>
+            <a:ext cx="7620000" cy="5001419"/>
+          </a:xfrm>
+        </p:spPr>
+        <p:txBody>
+          <a:bodyPr/>
+          <a:lstStyle/>
+          <a:p>
+            <a:r>
+              <a:rPr lang="en-US" dirty="0" err="1" smtClean="0"/>
+              <a:t>Yadda</a:t>
+            </a:r>
+            <a:r>
+              <a:rPr lang="en-US" dirty="0" smtClean="0"/>
+              <a:t> </a:t>
+            </a:r>
+            <a:r>
+              <a:rPr lang="en-US" dirty="0" err="1" smtClean="0"/>
+              <a:t>yadda</a:t>
+            </a:r>
+            <a:r>
+              <a:rPr lang="en-US" dirty="0" smtClean="0"/>
+              <a:t> </a:t>
+            </a:r>
+            <a:r>
+              <a:rPr lang="en-US" dirty="0" err="1" smtClean="0"/>
+              <a:t>yadda</a:t>
+            </a:r>
+            <a:endParaRPr lang="en-US" dirty="0"/>
+          </a:p>
+        </p:txBody>
+      </p:sp>
+    </p:spTree>
+    <p:extLst>
+      <p:ext uri="{BB962C8B-B14F-4D97-AF65-F5344CB8AC3E}">
+        <p14:creationId xmlns:p14="http://schemas.microsoft.com/office/powerpoint/2010/main" val="1719329202"/>
+      </p:ext>
+    </p:extLst>
+  </p:cSld>
+  <p:clrMapOvr>
+    <a:masterClrMapping/>
+  </p:clrMapOvr>
+  <p:timing>
+    <p:tnLst>
+      <p:par>
+        <p:cTn id="1" dur="indefinite" restart="never" nodeType="tmRoot"/>
+      </p:par>
+    </p:tnLst>
+  </p:timing>
+</p:sld>
+</file>
+
+<file path=ppt/slides/slide35.xml><?xml version="1.0" encoding="utf-8"?>
+<p:sld xmlns:a="http://schemas.openxmlformats.org/drawingml/2006/main" xmlns:r="http://schemas.openxmlformats.org/officeDocument/2006/relationships" xmlns:p="http://schemas.openxmlformats.org/presentationml/2006/main">
+  <p:cSld>
+    <p:spTree>
+      <p:nvGrpSpPr>
+        <p:cNvPr id="1" name=""/>
+        <p:cNvGrpSpPr/>
+        <p:nvPr/>
+      </p:nvGrpSpPr>
+      <p:grpSpPr>
+        <a:xfrm>
+          <a:off x="0" y="0"/>
+          <a:ext cx="0" cy="0"/>
+          <a:chOff x="0" y="0"/>
+          <a:chExt cx="0" cy="0"/>
+        </a:xfrm>
+      </p:grpSpPr>
+      <p:sp>
+        <p:nvSpPr>
+          <p:cNvPr id="2" name="Title 1"/>
+          <p:cNvSpPr>
+            <a:spLocks noGrp="1"/>
+          </p:cNvSpPr>
+          <p:nvPr>
+            <p:ph type="title"/>
+          </p:nvPr>
+        </p:nvSpPr>
+        <p:spPr>
+          <a:xfrm>
+            <a:off x="457200" y="152718"/>
+            <a:ext cx="8147248" cy="900018"/>
+          </a:xfrm>
+        </p:spPr>
+        <p:txBody>
+          <a:bodyPr/>
+          <a:lstStyle/>
+          <a:p>
+            <a:r>
+              <a:rPr lang="en-US" cap="none" dirty="0" smtClean="0">
+                <a:solidFill>
+                  <a:srgbClr val="002060"/>
+                </a:solidFill>
+              </a:rPr>
+              <a:t>Conclusions</a:t>
+            </a:r>
+            <a:endParaRPr lang="en-US" dirty="0">
+              <a:solidFill>
+                <a:srgbClr val="002060"/>
+              </a:solidFill>
+            </a:endParaRPr>
+          </a:p>
+        </p:txBody>
+      </p:sp>
+      <p:sp>
+        <p:nvSpPr>
+          <p:cNvPr id="3" name="Content Placeholder 2"/>
+          <p:cNvSpPr>
+            <a:spLocks noGrp="1"/>
+          </p:cNvSpPr>
+          <p:nvPr>
+            <p:ph idx="1"/>
+          </p:nvPr>
+        </p:nvSpPr>
+        <p:spPr>
+          <a:xfrm>
+            <a:off x="457200" y="1124744"/>
+            <a:ext cx="7620000" cy="5001419"/>
+          </a:xfrm>
+        </p:spPr>
+        <p:txBody>
+          <a:bodyPr/>
+          <a:lstStyle/>
+          <a:p>
+            <a:r>
+              <a:rPr lang="en-US" dirty="0" err="1" smtClean="0"/>
+              <a:t>Yadda</a:t>
+            </a:r>
+            <a:r>
+              <a:rPr lang="en-US" dirty="0" smtClean="0"/>
+              <a:t> </a:t>
+            </a:r>
+            <a:r>
+              <a:rPr lang="en-US" dirty="0" err="1" smtClean="0"/>
+              <a:t>yadda</a:t>
+            </a:r>
+            <a:r>
+              <a:rPr lang="en-US" dirty="0" smtClean="0"/>
+              <a:t> </a:t>
+            </a:r>
+            <a:r>
+              <a:rPr lang="en-US" dirty="0" err="1" smtClean="0"/>
+              <a:t>yadda</a:t>
+            </a:r>
+            <a:endParaRPr lang="en-US" dirty="0"/>
+          </a:p>
+        </p:txBody>
+      </p:sp>
+    </p:spTree>
+    <p:extLst>
+      <p:ext uri="{BB962C8B-B14F-4D97-AF65-F5344CB8AC3E}">
+        <p14:creationId xmlns:p14="http://schemas.microsoft.com/office/powerpoint/2010/main" val="2689401147"/>
+      </p:ext>
+    </p:extLst>
+  </p:cSld>
+  <p:clrMapOvr>
+    <a:masterClrMapping/>
+  </p:clrMapOvr>
+  <p:timing>
+    <p:tnLst>
+      <p:par>
+        <p:cTn id="1" dur="indefinite" restart="never" nodeType="tmRoot"/>
+      </p:par>
+    </p:tnLst>
+  </p:timing>
+</p:sld>
+</file>
+
+<file path=ppt/slides/slide36.xml><?xml version="1.0" encoding="utf-8"?>
+<p:sld xmlns:a="http://schemas.openxmlformats.org/drawingml/2006/main" xmlns:r="http://schemas.openxmlformats.org/officeDocument/2006/relationships" xmlns:p="http://schemas.openxmlformats.org/presentationml/2006/main">
+  <p:cSld>
+    <p:spTree>
+      <p:nvGrpSpPr>
+        <p:cNvPr id="1" name=""/>
+        <p:cNvGrpSpPr/>
+        <p:nvPr/>
+      </p:nvGrpSpPr>
+      <p:grpSpPr>
+        <a:xfrm>
+          <a:off x="0" y="0"/>
+          <a:ext cx="0" cy="0"/>
+          <a:chOff x="0" y="0"/>
+          <a:chExt cx="0" cy="0"/>
+        </a:xfrm>
+      </p:grpSpPr>
+      <p:sp>
+        <p:nvSpPr>
+          <p:cNvPr id="2" name="Title 1"/>
+          <p:cNvSpPr>
+            <a:spLocks noGrp="1"/>
+          </p:cNvSpPr>
+          <p:nvPr>
+            <p:ph type="title"/>
+          </p:nvPr>
+        </p:nvSpPr>
+        <p:spPr>
+          <a:xfrm>
+            <a:off x="457200" y="152718"/>
+            <a:ext cx="8147248" cy="900018"/>
+          </a:xfrm>
+        </p:spPr>
+        <p:txBody>
+          <a:bodyPr/>
+          <a:lstStyle/>
+          <a:p>
+            <a:r>
+              <a:rPr lang="en-US" cap="none" dirty="0" smtClean="0">
+                <a:solidFill>
+                  <a:srgbClr val="002060"/>
+                </a:solidFill>
+              </a:rPr>
+              <a:t>Future Work</a:t>
+            </a:r>
+            <a:endParaRPr lang="en-US" dirty="0">
+              <a:solidFill>
+                <a:srgbClr val="002060"/>
+              </a:solidFill>
+            </a:endParaRPr>
+          </a:p>
+        </p:txBody>
+      </p:sp>
+      <p:sp>
+        <p:nvSpPr>
+          <p:cNvPr id="3" name="Content Placeholder 2"/>
+          <p:cNvSpPr>
+            <a:spLocks noGrp="1"/>
+          </p:cNvSpPr>
+          <p:nvPr>
+            <p:ph idx="1"/>
+          </p:nvPr>
+        </p:nvSpPr>
+        <p:spPr>
+          <a:xfrm>
+            <a:off x="457200" y="1124744"/>
+            <a:ext cx="7620000" cy="5001419"/>
+          </a:xfrm>
+        </p:spPr>
+        <p:txBody>
+          <a:bodyPr/>
+          <a:lstStyle/>
+          <a:p>
+            <a:r>
+              <a:rPr lang="en-US" dirty="0" err="1" smtClean="0"/>
+              <a:t>Yadda</a:t>
+            </a:r>
+            <a:r>
+              <a:rPr lang="en-US" dirty="0" smtClean="0"/>
+              <a:t> </a:t>
+            </a:r>
+            <a:r>
+              <a:rPr lang="en-US" dirty="0" err="1" smtClean="0"/>
+              <a:t>yadda</a:t>
+            </a:r>
+            <a:r>
+              <a:rPr lang="en-US" dirty="0" smtClean="0"/>
+              <a:t> </a:t>
+            </a:r>
+            <a:r>
+              <a:rPr lang="en-US" dirty="0" err="1" smtClean="0"/>
+              <a:t>yadda</a:t>
+            </a:r>
+            <a:endParaRPr lang="en-US" dirty="0"/>
+          </a:p>
+        </p:txBody>
+      </p:sp>
+    </p:spTree>
+    <p:extLst>
+      <p:ext uri="{BB962C8B-B14F-4D97-AF65-F5344CB8AC3E}">
+        <p14:creationId xmlns:p14="http://schemas.microsoft.com/office/powerpoint/2010/main" val="3720077246"/>
       </p:ext>
     </p:extLst>
   </p:cSld>
@@ -6015,7 +8436,7 @@
                   <a:srgbClr val="002060"/>
                 </a:solidFill>
               </a:rPr>
-              <a:t>Synthetic Aperture Radar</a:t>
+              <a:t>How it Works</a:t>
             </a:r>
             <a:endParaRPr lang="en-US" dirty="0">
               <a:solidFill>
@@ -6025,53 +8446,9 @@
           </a:p>
         </p:txBody>
       </p:sp>
-      <p:sp>
-        <p:nvSpPr>
-          <p:cNvPr id="3" name="Content Placeholder 2"/>
-          <p:cNvSpPr>
-            <a:spLocks noGrp="1"/>
-          </p:cNvSpPr>
-          <p:nvPr>
-            <p:ph idx="1"/>
-          </p:nvPr>
-        </p:nvSpPr>
-        <p:spPr>
-          <a:xfrm>
-            <a:off x="457200" y="1124744"/>
-            <a:ext cx="7620000" cy="5001419"/>
-          </a:xfrm>
-        </p:spPr>
-        <p:txBody>
-          <a:bodyPr/>
-          <a:lstStyle/>
-          <a:p>
-            <a:r>
-              <a:rPr lang="en-US" dirty="0" err="1" smtClean="0"/>
-              <a:t>Yadda</a:t>
-            </a:r>
-            <a:r>
-              <a:rPr lang="en-US" dirty="0" smtClean="0"/>
-              <a:t> </a:t>
-            </a:r>
-            <a:r>
-              <a:rPr lang="en-US" dirty="0" err="1" smtClean="0"/>
-              <a:t>yadda</a:t>
-            </a:r>
-            <a:r>
-              <a:rPr lang="en-US" dirty="0" smtClean="0"/>
-              <a:t> </a:t>
-            </a:r>
-            <a:r>
-              <a:rPr lang="en-US" dirty="0" err="1" smtClean="0"/>
-              <a:t>yadda</a:t>
-            </a:r>
-            <a:endParaRPr lang="en-US" dirty="0"/>
-          </a:p>
-        </p:txBody>
-      </p:sp>
       <p:pic>
         <p:nvPicPr>
-          <p:cNvPr id="6" name="Picture 5"/>
+          <p:cNvPr id="9" name="Picture 8"/>
           <p:cNvPicPr>
             <a:picLocks noChangeAspect="1"/>
           </p:cNvPicPr>
@@ -6091,8 +8468,8 @@
         </p:blipFill>
         <p:spPr>
           <a:xfrm>
-            <a:off x="611407" y="1916832"/>
-            <a:ext cx="3168506" cy="2284241"/>
+            <a:off x="115200" y="1051200"/>
+            <a:ext cx="8757036" cy="5396040"/>
           </a:xfrm>
           <a:prstGeom prst="rect">
             <a:avLst/>
@@ -6149,11 +8526,13 @@
         <p:spPr>
           <a:xfrm>
             <a:off x="457200" y="152718"/>
-            <a:ext cx="8147248" cy="900018"/>
-          </a:xfrm>
-        </p:spPr>
-        <p:txBody>
-          <a:bodyPr/>
+            <a:ext cx="8003232" cy="900018"/>
+          </a:xfrm>
+        </p:spPr>
+        <p:txBody>
+          <a:bodyPr>
+            <a:normAutofit/>
+          </a:bodyPr>
           <a:lstStyle/>
           <a:p>
             <a:r>
@@ -6162,7 +8541,7 @@
                   <a:srgbClr val="002060"/>
                 </a:solidFill>
               </a:rPr>
-              <a:t>More Equations</a:t>
+              <a:t>How it Works</a:t>
             </a:r>
             <a:endParaRPr lang="en-US" dirty="0">
               <a:solidFill>
@@ -6172,54 +8551,40 @@
           </a:p>
         </p:txBody>
       </p:sp>
-      <p:sp>
-        <p:nvSpPr>
-          <p:cNvPr id="3" name="Content Placeholder 2"/>
-          <p:cNvSpPr>
-            <a:spLocks noGrp="1"/>
-          </p:cNvSpPr>
-          <p:nvPr>
-            <p:ph idx="1"/>
-          </p:nvPr>
-        </p:nvSpPr>
-        <p:spPr>
-          <a:xfrm>
-            <a:off x="457200" y="1124744"/>
-            <a:ext cx="7620000" cy="5001419"/>
-          </a:xfrm>
-        </p:spPr>
-        <p:txBody>
-          <a:bodyPr/>
-          <a:lstStyle/>
-          <a:p>
-            <a:r>
-              <a:rPr lang="en-US" dirty="0" err="1" smtClean="0"/>
-              <a:t>Yadda</a:t>
-            </a:r>
-            <a:r>
-              <a:rPr lang="en-US" dirty="0" smtClean="0"/>
-              <a:t> </a:t>
-            </a:r>
-            <a:r>
-              <a:rPr lang="en-US" dirty="0" err="1" smtClean="0"/>
-              <a:t>yadda</a:t>
-            </a:r>
-            <a:r>
-              <a:rPr lang="en-US" dirty="0" smtClean="0"/>
-              <a:t> </a:t>
-            </a:r>
-            <a:r>
-              <a:rPr lang="en-US" dirty="0" err="1" smtClean="0"/>
-              <a:t>yadda</a:t>
-            </a:r>
-            <a:endParaRPr lang="en-US" dirty="0"/>
-          </a:p>
-        </p:txBody>
-      </p:sp>
+      <p:pic>
+        <p:nvPicPr>
+          <p:cNvPr id="10" name="Picture 9"/>
+          <p:cNvPicPr>
+            <a:picLocks noChangeAspect="1"/>
+          </p:cNvPicPr>
+          <p:nvPr/>
+        </p:nvPicPr>
+        <p:blipFill>
+          <a:blip r:embed="rId2" cstate="print">
+            <a:extLst>
+              <a:ext uri="{28A0092B-C50C-407E-A947-70E740481C1C}">
+                <a14:useLocalDpi xmlns:a14="http://schemas.microsoft.com/office/drawing/2010/main" val="0"/>
+              </a:ext>
+            </a:extLst>
+          </a:blip>
+          <a:stretch>
+            <a:fillRect/>
+          </a:stretch>
+        </p:blipFill>
+        <p:spPr>
+          <a:xfrm>
+            <a:off x="115200" y="1052736"/>
+            <a:ext cx="8757036" cy="5396040"/>
+          </a:xfrm>
+          <a:prstGeom prst="rect">
+            <a:avLst/>
+          </a:prstGeom>
+        </p:spPr>
+      </p:pic>
     </p:spTree>
     <p:extLst>
       <p:ext uri="{BB962C8B-B14F-4D97-AF65-F5344CB8AC3E}">
-        <p14:creationId xmlns:p14="http://schemas.microsoft.com/office/powerpoint/2010/main" val="2659871454"/>
+        <p14:creationId xmlns:p14="http://schemas.microsoft.com/office/powerpoint/2010/main" val="1717553184"/>
       </p:ext>
     </p:extLst>
   </p:cSld>
@@ -6266,11 +8631,13 @@
         <p:spPr>
           <a:xfrm>
             <a:off x="457200" y="152718"/>
-            <a:ext cx="8147248" cy="900018"/>
-          </a:xfrm>
-        </p:spPr>
-        <p:txBody>
-          <a:bodyPr/>
+            <a:ext cx="8003232" cy="900018"/>
+          </a:xfrm>
+        </p:spPr>
+        <p:txBody>
+          <a:bodyPr>
+            <a:normAutofit/>
+          </a:bodyPr>
           <a:lstStyle/>
           <a:p>
             <a:r>
@@ -6279,7 +8646,7 @@
                   <a:srgbClr val="002060"/>
                 </a:solidFill>
               </a:rPr>
-              <a:t>Expressing ? as FFTs</a:t>
+              <a:t>How it Works</a:t>
             </a:r>
             <a:endParaRPr lang="en-US" dirty="0">
               <a:solidFill>
@@ -6289,54 +8656,40 @@
           </a:p>
         </p:txBody>
       </p:sp>
-      <p:sp>
-        <p:nvSpPr>
-          <p:cNvPr id="3" name="Content Placeholder 2"/>
-          <p:cNvSpPr>
-            <a:spLocks noGrp="1"/>
-          </p:cNvSpPr>
-          <p:nvPr>
-            <p:ph idx="1"/>
-          </p:nvPr>
-        </p:nvSpPr>
-        <p:spPr>
-          <a:xfrm>
-            <a:off x="457200" y="1124744"/>
-            <a:ext cx="7620000" cy="5001419"/>
-          </a:xfrm>
-        </p:spPr>
-        <p:txBody>
-          <a:bodyPr/>
-          <a:lstStyle/>
-          <a:p>
-            <a:r>
-              <a:rPr lang="en-US" dirty="0" err="1" smtClean="0"/>
-              <a:t>Yadda</a:t>
-            </a:r>
-            <a:r>
-              <a:rPr lang="en-US" dirty="0" smtClean="0"/>
-              <a:t> </a:t>
-            </a:r>
-            <a:r>
-              <a:rPr lang="en-US" dirty="0" err="1" smtClean="0"/>
-              <a:t>yadda</a:t>
-            </a:r>
-            <a:r>
-              <a:rPr lang="en-US" dirty="0" smtClean="0"/>
-              <a:t> </a:t>
-            </a:r>
-            <a:r>
-              <a:rPr lang="en-US" dirty="0" err="1" smtClean="0"/>
-              <a:t>yadda</a:t>
-            </a:r>
-            <a:endParaRPr lang="en-US" dirty="0"/>
-          </a:p>
-        </p:txBody>
-      </p:sp>
+      <p:pic>
+        <p:nvPicPr>
+          <p:cNvPr id="11" name="Picture 10"/>
+          <p:cNvPicPr>
+            <a:picLocks noChangeAspect="1"/>
+          </p:cNvPicPr>
+          <p:nvPr/>
+        </p:nvPicPr>
+        <p:blipFill>
+          <a:blip r:embed="rId2" cstate="print">
+            <a:extLst>
+              <a:ext uri="{28A0092B-C50C-407E-A947-70E740481C1C}">
+                <a14:useLocalDpi xmlns:a14="http://schemas.microsoft.com/office/drawing/2010/main" val="0"/>
+              </a:ext>
+            </a:extLst>
+          </a:blip>
+          <a:stretch>
+            <a:fillRect/>
+          </a:stretch>
+        </p:blipFill>
+        <p:spPr>
+          <a:xfrm>
+            <a:off x="115200" y="1051200"/>
+            <a:ext cx="8757036" cy="5396040"/>
+          </a:xfrm>
+          <a:prstGeom prst="rect">
+            <a:avLst/>
+          </a:prstGeom>
+        </p:spPr>
+      </p:pic>
     </p:spTree>
     <p:extLst>
       <p:ext uri="{BB962C8B-B14F-4D97-AF65-F5344CB8AC3E}">
-        <p14:creationId xmlns:p14="http://schemas.microsoft.com/office/powerpoint/2010/main" val="2323806163"/>
+        <p14:creationId xmlns:p14="http://schemas.microsoft.com/office/powerpoint/2010/main" val="2924422182"/>
       </p:ext>
     </p:extLst>
   </p:cSld>
@@ -6383,11 +8736,13 @@
         <p:spPr>
           <a:xfrm>
             <a:off x="457200" y="152718"/>
-            <a:ext cx="8147248" cy="900018"/>
-          </a:xfrm>
-        </p:spPr>
-        <p:txBody>
-          <a:bodyPr/>
+            <a:ext cx="8003232" cy="900018"/>
+          </a:xfrm>
+        </p:spPr>
+        <p:txBody>
+          <a:bodyPr>
+            <a:normAutofit/>
+          </a:bodyPr>
           <a:lstStyle/>
           <a:p>
             <a:r>
@@ -6396,7 +8751,7 @@
                   <a:srgbClr val="002060"/>
                 </a:solidFill>
               </a:rPr>
-              <a:t>The Row-wise Transpose</a:t>
+              <a:t>How it Works</a:t>
             </a:r>
             <a:endParaRPr lang="en-US" dirty="0">
               <a:solidFill>
@@ -6406,54 +8761,40 @@
           </a:p>
         </p:txBody>
       </p:sp>
-      <p:sp>
-        <p:nvSpPr>
-          <p:cNvPr id="3" name="Content Placeholder 2"/>
-          <p:cNvSpPr>
-            <a:spLocks noGrp="1"/>
-          </p:cNvSpPr>
-          <p:nvPr>
-            <p:ph idx="1"/>
-          </p:nvPr>
-        </p:nvSpPr>
-        <p:spPr>
-          <a:xfrm>
-            <a:off x="457200" y="1124744"/>
-            <a:ext cx="7620000" cy="5001419"/>
-          </a:xfrm>
-        </p:spPr>
-        <p:txBody>
-          <a:bodyPr/>
-          <a:lstStyle/>
-          <a:p>
-            <a:r>
-              <a:rPr lang="en-US" dirty="0" err="1" smtClean="0"/>
-              <a:t>Yadda</a:t>
-            </a:r>
-            <a:r>
-              <a:rPr lang="en-US" dirty="0" smtClean="0"/>
-              <a:t> </a:t>
-            </a:r>
-            <a:r>
-              <a:rPr lang="en-US" dirty="0" err="1" smtClean="0"/>
-              <a:t>yadda</a:t>
-            </a:r>
-            <a:r>
-              <a:rPr lang="en-US" dirty="0" smtClean="0"/>
-              <a:t> </a:t>
-            </a:r>
-            <a:r>
-              <a:rPr lang="en-US" dirty="0" err="1" smtClean="0"/>
-              <a:t>yadda</a:t>
-            </a:r>
-            <a:endParaRPr lang="en-US" dirty="0"/>
-          </a:p>
-        </p:txBody>
-      </p:sp>
+      <p:pic>
+        <p:nvPicPr>
+          <p:cNvPr id="12" name="Picture 11"/>
+          <p:cNvPicPr>
+            <a:picLocks noChangeAspect="1"/>
+          </p:cNvPicPr>
+          <p:nvPr/>
+        </p:nvPicPr>
+        <p:blipFill>
+          <a:blip r:embed="rId2" cstate="print">
+            <a:extLst>
+              <a:ext uri="{28A0092B-C50C-407E-A947-70E740481C1C}">
+                <a14:useLocalDpi xmlns:a14="http://schemas.microsoft.com/office/drawing/2010/main" val="0"/>
+              </a:ext>
+            </a:extLst>
+          </a:blip>
+          <a:stretch>
+            <a:fillRect/>
+          </a:stretch>
+        </p:blipFill>
+        <p:spPr>
+          <a:xfrm>
+            <a:off x="115200" y="1051200"/>
+            <a:ext cx="8757036" cy="5396040"/>
+          </a:xfrm>
+          <a:prstGeom prst="rect">
+            <a:avLst/>
+          </a:prstGeom>
+        </p:spPr>
+      </p:pic>
     </p:spTree>
     <p:extLst>
       <p:ext uri="{BB962C8B-B14F-4D97-AF65-F5344CB8AC3E}">
-        <p14:creationId xmlns:p14="http://schemas.microsoft.com/office/powerpoint/2010/main" val="2567773645"/>
+        <p14:creationId xmlns:p14="http://schemas.microsoft.com/office/powerpoint/2010/main" val="2646495997"/>
       </p:ext>
     </p:extLst>
   </p:cSld>
@@ -6500,11 +8841,13 @@
         <p:spPr>
           <a:xfrm>
             <a:off x="457200" y="152718"/>
-            <a:ext cx="8147248" cy="900018"/>
-          </a:xfrm>
-        </p:spPr>
-        <p:txBody>
-          <a:bodyPr/>
+            <a:ext cx="8003232" cy="900018"/>
+          </a:xfrm>
+        </p:spPr>
+        <p:txBody>
+          <a:bodyPr>
+            <a:normAutofit/>
+          </a:bodyPr>
           <a:lstStyle/>
           <a:p>
             <a:r>
@@ -6513,7 +8856,7 @@
                   <a:srgbClr val="002060"/>
                 </a:solidFill>
               </a:rPr>
-              <a:t>The Column-wise Transpose</a:t>
+              <a:t>How it Works</a:t>
             </a:r>
             <a:endParaRPr lang="en-US" dirty="0">
               <a:solidFill>
@@ -6523,54 +8866,40 @@
           </a:p>
         </p:txBody>
       </p:sp>
-      <p:sp>
-        <p:nvSpPr>
-          <p:cNvPr id="3" name="Content Placeholder 2"/>
-          <p:cNvSpPr>
-            <a:spLocks noGrp="1"/>
-          </p:cNvSpPr>
-          <p:nvPr>
-            <p:ph idx="1"/>
-          </p:nvPr>
-        </p:nvSpPr>
-        <p:spPr>
-          <a:xfrm>
-            <a:off x="457200" y="1124744"/>
-            <a:ext cx="7620000" cy="5001419"/>
-          </a:xfrm>
-        </p:spPr>
-        <p:txBody>
-          <a:bodyPr/>
-          <a:lstStyle/>
-          <a:p>
-            <a:r>
-              <a:rPr lang="en-US" dirty="0" err="1" smtClean="0"/>
-              <a:t>Yadda</a:t>
-            </a:r>
-            <a:r>
-              <a:rPr lang="en-US" dirty="0" smtClean="0"/>
-              <a:t> </a:t>
-            </a:r>
-            <a:r>
-              <a:rPr lang="en-US" dirty="0" err="1" smtClean="0"/>
-              <a:t>yadda</a:t>
-            </a:r>
-            <a:r>
-              <a:rPr lang="en-US" dirty="0" smtClean="0"/>
-              <a:t> </a:t>
-            </a:r>
-            <a:r>
-              <a:rPr lang="en-US" dirty="0" err="1" smtClean="0"/>
-              <a:t>yadda</a:t>
-            </a:r>
-            <a:endParaRPr lang="en-US" dirty="0"/>
-          </a:p>
-        </p:txBody>
-      </p:sp>
+      <p:pic>
+        <p:nvPicPr>
+          <p:cNvPr id="13" name="Picture 12"/>
+          <p:cNvPicPr>
+            <a:picLocks noChangeAspect="1"/>
+          </p:cNvPicPr>
+          <p:nvPr/>
+        </p:nvPicPr>
+        <p:blipFill>
+          <a:blip r:embed="rId2" cstate="print">
+            <a:extLst>
+              <a:ext uri="{28A0092B-C50C-407E-A947-70E740481C1C}">
+                <a14:useLocalDpi xmlns:a14="http://schemas.microsoft.com/office/drawing/2010/main" val="0"/>
+              </a:ext>
+            </a:extLst>
+          </a:blip>
+          <a:stretch>
+            <a:fillRect/>
+          </a:stretch>
+        </p:blipFill>
+        <p:spPr>
+          <a:xfrm>
+            <a:off x="115200" y="1051200"/>
+            <a:ext cx="8757036" cy="5396040"/>
+          </a:xfrm>
+          <a:prstGeom prst="rect">
+            <a:avLst/>
+          </a:prstGeom>
+        </p:spPr>
+      </p:pic>
     </p:spTree>
     <p:extLst>
       <p:ext uri="{BB962C8B-B14F-4D97-AF65-F5344CB8AC3E}">
-        <p14:creationId xmlns:p14="http://schemas.microsoft.com/office/powerpoint/2010/main" val="1966605291"/>
+        <p14:creationId xmlns:p14="http://schemas.microsoft.com/office/powerpoint/2010/main" val="3419340374"/>
       </p:ext>
     </p:extLst>
   </p:cSld>
@@ -6617,11 +8946,13 @@
         <p:spPr>
           <a:xfrm>
             <a:off x="457200" y="152718"/>
-            <a:ext cx="8147248" cy="900018"/>
-          </a:xfrm>
-        </p:spPr>
-        <p:txBody>
-          <a:bodyPr/>
+            <a:ext cx="8003232" cy="900018"/>
+          </a:xfrm>
+        </p:spPr>
+        <p:txBody>
+          <a:bodyPr>
+            <a:normAutofit/>
+          </a:bodyPr>
           <a:lstStyle/>
           <a:p>
             <a:r>
@@ -6630,7 +8961,7 @@
                   <a:srgbClr val="002060"/>
                 </a:solidFill>
               </a:rPr>
-              <a:t>The 3D Imaging Algorithm</a:t>
+              <a:t>How it Works</a:t>
             </a:r>
             <a:endParaRPr lang="en-US" dirty="0">
               <a:solidFill>
@@ -6640,54 +8971,40 @@
           </a:p>
         </p:txBody>
       </p:sp>
-      <p:sp>
-        <p:nvSpPr>
-          <p:cNvPr id="3" name="Content Placeholder 2"/>
-          <p:cNvSpPr>
-            <a:spLocks noGrp="1"/>
-          </p:cNvSpPr>
-          <p:nvPr>
-            <p:ph idx="1"/>
-          </p:nvPr>
-        </p:nvSpPr>
-        <p:spPr>
-          <a:xfrm>
-            <a:off x="457200" y="1124744"/>
-            <a:ext cx="7620000" cy="5001419"/>
-          </a:xfrm>
-        </p:spPr>
-        <p:txBody>
-          <a:bodyPr/>
-          <a:lstStyle/>
-          <a:p>
-            <a:r>
-              <a:rPr lang="en-US" dirty="0" err="1" smtClean="0"/>
-              <a:t>Yadda</a:t>
-            </a:r>
-            <a:r>
-              <a:rPr lang="en-US" dirty="0" smtClean="0"/>
-              <a:t> </a:t>
-            </a:r>
-            <a:r>
-              <a:rPr lang="en-US" dirty="0" err="1" smtClean="0"/>
-              <a:t>yadda</a:t>
-            </a:r>
-            <a:r>
-              <a:rPr lang="en-US" dirty="0" smtClean="0"/>
-              <a:t> </a:t>
-            </a:r>
-            <a:r>
-              <a:rPr lang="en-US" dirty="0" err="1" smtClean="0"/>
-              <a:t>yadda</a:t>
-            </a:r>
-            <a:endParaRPr lang="en-US" dirty="0"/>
-          </a:p>
-        </p:txBody>
-      </p:sp>
+      <p:pic>
+        <p:nvPicPr>
+          <p:cNvPr id="14" name="Picture 13"/>
+          <p:cNvPicPr>
+            <a:picLocks noChangeAspect="1"/>
+          </p:cNvPicPr>
+          <p:nvPr/>
+        </p:nvPicPr>
+        <p:blipFill>
+          <a:blip r:embed="rId2" cstate="print">
+            <a:extLst>
+              <a:ext uri="{28A0092B-C50C-407E-A947-70E740481C1C}">
+                <a14:useLocalDpi xmlns:a14="http://schemas.microsoft.com/office/drawing/2010/main" val="0"/>
+              </a:ext>
+            </a:extLst>
+          </a:blip>
+          <a:stretch>
+            <a:fillRect/>
+          </a:stretch>
+        </p:blipFill>
+        <p:spPr>
+          <a:xfrm>
+            <a:off x="115200" y="1051200"/>
+            <a:ext cx="8757036" cy="5396040"/>
+          </a:xfrm>
+          <a:prstGeom prst="rect">
+            <a:avLst/>
+          </a:prstGeom>
+        </p:spPr>
+      </p:pic>
     </p:spTree>
     <p:extLst>
       <p:ext uri="{BB962C8B-B14F-4D97-AF65-F5344CB8AC3E}">
-        <p14:creationId xmlns:p14="http://schemas.microsoft.com/office/powerpoint/2010/main" val="2347655769"/>
+        <p14:creationId xmlns:p14="http://schemas.microsoft.com/office/powerpoint/2010/main" val="249969078"/>
       </p:ext>
     </p:extLst>
   </p:cSld>
@@ -6955,4 +9272,289 @@
   <a:objectDefaults/>
   <a:extraClrSchemeLst/>
 </a:theme>
+</file>
+
+<file path=ppt/theme/theme2.xml><?xml version="1.0" encoding="utf-8"?>
+<a:theme xmlns:a="http://schemas.openxmlformats.org/drawingml/2006/main" name="Office Theme">
+  <a:themeElements>
+    <a:clrScheme name="Office">
+      <a:dk1>
+        <a:sysClr val="windowText" lastClr="000000"/>
+      </a:dk1>
+      <a:lt1>
+        <a:sysClr val="window" lastClr="FFFFFF"/>
+      </a:lt1>
+      <a:dk2>
+        <a:srgbClr val="1F497D"/>
+      </a:dk2>
+      <a:lt2>
+        <a:srgbClr val="EEECE1"/>
+      </a:lt2>
+      <a:accent1>
+        <a:srgbClr val="4F81BD"/>
+      </a:accent1>
+      <a:accent2>
+        <a:srgbClr val="C0504D"/>
+      </a:accent2>
+      <a:accent3>
+        <a:srgbClr val="9BBB59"/>
+      </a:accent3>
+      <a:accent4>
+        <a:srgbClr val="8064A2"/>
+      </a:accent4>
+      <a:accent5>
+        <a:srgbClr val="4BACC6"/>
+      </a:accent5>
+      <a:accent6>
+        <a:srgbClr val="F79646"/>
+      </a:accent6>
+      <a:hlink>
+        <a:srgbClr val="0000FF"/>
+      </a:hlink>
+      <a:folHlink>
+        <a:srgbClr val="800080"/>
+      </a:folHlink>
+    </a:clrScheme>
+    <a:fontScheme name="Office">
+      <a:majorFont>
+        <a:latin typeface="Calibri"/>
+        <a:ea typeface=""/>
+        <a:cs typeface=""/>
+        <a:font script="Jpan" typeface="ＭＳ Ｐゴシック"/>
+        <a:font script="Hang" typeface="맑은 고딕"/>
+        <a:font script="Hans" typeface="宋体"/>
+        <a:font script="Hant" typeface="新細明體"/>
+        <a:font script="Arab" typeface="Times New Roman"/>
+        <a:font script="Hebr" typeface="Times New Roman"/>
+        <a:font script="Thai" typeface="Angsana New"/>
+        <a:font script="Ethi" typeface="Nyala"/>
+        <a:font script="Beng" typeface="Vrinda"/>
+        <a:font script="Gujr" typeface="Shruti"/>
+        <a:font script="Khmr" typeface="MoolBoran"/>
+        <a:font script="Knda" typeface="Tunga"/>
+        <a:font script="Guru" typeface="Raavi"/>
+        <a:font script="Cans" typeface="Euphemia"/>
+        <a:font script="Cher" typeface="Plantagenet Cherokee"/>
+        <a:font script="Yiii" typeface="Microsoft Yi Baiti"/>
+        <a:font script="Tibt" typeface="Microsoft Himalaya"/>
+        <a:font script="Thaa" typeface="MV Boli"/>
+        <a:font script="Deva" typeface="Mangal"/>
+        <a:font script="Telu" typeface="Gautami"/>
+        <a:font script="Taml" typeface="Latha"/>
+        <a:font script="Syrc" typeface="Estrangelo Edessa"/>
+        <a:font script="Orya" typeface="Kalinga"/>
+        <a:font script="Mlym" typeface="Kartika"/>
+        <a:font script="Laoo" typeface="DokChampa"/>
+        <a:font script="Sinh" typeface="Iskoola Pota"/>
+        <a:font script="Mong" typeface="Mongolian Baiti"/>
+        <a:font script="Viet" typeface="Times New Roman"/>
+        <a:font script="Uigh" typeface="Microsoft Uighur"/>
+        <a:font script="Geor" typeface="Sylfaen"/>
+      </a:majorFont>
+      <a:minorFont>
+        <a:latin typeface="Calibri"/>
+        <a:ea typeface=""/>
+        <a:cs typeface=""/>
+        <a:font script="Jpan" typeface="ＭＳ Ｐゴシック"/>
+        <a:font script="Hang" typeface="맑은 고딕"/>
+        <a:font script="Hans" typeface="宋体"/>
+        <a:font script="Hant" typeface="新細明體"/>
+        <a:font script="Arab" typeface="Arial"/>
+        <a:font script="Hebr" typeface="Arial"/>
+        <a:font script="Thai" typeface="Cordia New"/>
+        <a:font script="Ethi" typeface="Nyala"/>
+        <a:font script="Beng" typeface="Vrinda"/>
+        <a:font script="Gujr" typeface="Shruti"/>
+        <a:font script="Khmr" typeface="DaunPenh"/>
+        <a:font script="Knda" typeface="Tunga"/>
+        <a:font script="Guru" typeface="Raavi"/>
+        <a:font script="Cans" typeface="Euphemia"/>
+        <a:font script="Cher" typeface="Plantagenet Cherokee"/>
+        <a:font script="Yiii" typeface="Microsoft Yi Baiti"/>
+        <a:font script="Tibt" typeface="Microsoft Himalaya"/>
+        <a:font script="Thaa" typeface="MV Boli"/>
+        <a:font script="Deva" typeface="Mangal"/>
+        <a:font script="Telu" typeface="Gautami"/>
+        <a:font script="Taml" typeface="Latha"/>
+        <a:font script="Syrc" typeface="Estrangelo Edessa"/>
+        <a:font script="Orya" typeface="Kalinga"/>
+        <a:font script="Mlym" typeface="Kartika"/>
+        <a:font script="Laoo" typeface="DokChampa"/>
+        <a:font script="Sinh" typeface="Iskoola Pota"/>
+        <a:font script="Mong" typeface="Mongolian Baiti"/>
+        <a:font script="Viet" typeface="Arial"/>
+        <a:font script="Uigh" typeface="Microsoft Uighur"/>
+        <a:font script="Geor" typeface="Sylfaen"/>
+      </a:minorFont>
+    </a:fontScheme>
+    <a:fmtScheme name="Office">
+      <a:fillStyleLst>
+        <a:solidFill>
+          <a:schemeClr val="phClr"/>
+        </a:solidFill>
+        <a:gradFill rotWithShape="1">
+          <a:gsLst>
+            <a:gs pos="0">
+              <a:schemeClr val="phClr">
+                <a:tint val="50000"/>
+                <a:satMod val="300000"/>
+              </a:schemeClr>
+            </a:gs>
+            <a:gs pos="35000">
+              <a:schemeClr val="phClr">
+                <a:tint val="37000"/>
+                <a:satMod val="300000"/>
+              </a:schemeClr>
+            </a:gs>
+            <a:gs pos="100000">
+              <a:schemeClr val="phClr">
+                <a:tint val="15000"/>
+                <a:satMod val="350000"/>
+              </a:schemeClr>
+            </a:gs>
+          </a:gsLst>
+          <a:lin ang="16200000" scaled="1"/>
+        </a:gradFill>
+        <a:gradFill rotWithShape="1">
+          <a:gsLst>
+            <a:gs pos="0">
+              <a:schemeClr val="phClr">
+                <a:shade val="51000"/>
+                <a:satMod val="130000"/>
+              </a:schemeClr>
+            </a:gs>
+            <a:gs pos="80000">
+              <a:schemeClr val="phClr">
+                <a:shade val="93000"/>
+                <a:satMod val="130000"/>
+              </a:schemeClr>
+            </a:gs>
+            <a:gs pos="100000">
+              <a:schemeClr val="phClr">
+                <a:shade val="94000"/>
+                <a:satMod val="135000"/>
+              </a:schemeClr>
+            </a:gs>
+          </a:gsLst>
+          <a:lin ang="16200000" scaled="0"/>
+        </a:gradFill>
+      </a:fillStyleLst>
+      <a:lnStyleLst>
+        <a:ln w="9525" cap="flat" cmpd="sng" algn="ctr">
+          <a:solidFill>
+            <a:schemeClr val="phClr">
+              <a:shade val="95000"/>
+              <a:satMod val="105000"/>
+            </a:schemeClr>
+          </a:solidFill>
+          <a:prstDash val="solid"/>
+        </a:ln>
+        <a:ln w="25400" cap="flat" cmpd="sng" algn="ctr">
+          <a:solidFill>
+            <a:schemeClr val="phClr"/>
+          </a:solidFill>
+          <a:prstDash val="solid"/>
+        </a:ln>
+        <a:ln w="38100" cap="flat" cmpd="sng" algn="ctr">
+          <a:solidFill>
+            <a:schemeClr val="phClr"/>
+          </a:solidFill>
+          <a:prstDash val="solid"/>
+        </a:ln>
+      </a:lnStyleLst>
+      <a:effectStyleLst>
+        <a:effectStyle>
+          <a:effectLst>
+            <a:outerShdw blurRad="40000" dist="20000" dir="5400000" rotWithShape="0">
+              <a:srgbClr val="000000">
+                <a:alpha val="38000"/>
+              </a:srgbClr>
+            </a:outerShdw>
+          </a:effectLst>
+        </a:effectStyle>
+        <a:effectStyle>
+          <a:effectLst>
+            <a:outerShdw blurRad="40000" dist="23000" dir="5400000" rotWithShape="0">
+              <a:srgbClr val="000000">
+                <a:alpha val="35000"/>
+              </a:srgbClr>
+            </a:outerShdw>
+          </a:effectLst>
+        </a:effectStyle>
+        <a:effectStyle>
+          <a:effectLst>
+            <a:outerShdw blurRad="40000" dist="23000" dir="5400000" rotWithShape="0">
+              <a:srgbClr val="000000">
+                <a:alpha val="35000"/>
+              </a:srgbClr>
+            </a:outerShdw>
+          </a:effectLst>
+          <a:scene3d>
+            <a:camera prst="orthographicFront">
+              <a:rot lat="0" lon="0" rev="0"/>
+            </a:camera>
+            <a:lightRig rig="threePt" dir="t">
+              <a:rot lat="0" lon="0" rev="1200000"/>
+            </a:lightRig>
+          </a:scene3d>
+          <a:sp3d>
+            <a:bevelT w="63500" h="25400"/>
+          </a:sp3d>
+        </a:effectStyle>
+      </a:effectStyleLst>
+      <a:bgFillStyleLst>
+        <a:solidFill>
+          <a:schemeClr val="phClr"/>
+        </a:solidFill>
+        <a:gradFill rotWithShape="1">
+          <a:gsLst>
+            <a:gs pos="0">
+              <a:schemeClr val="phClr">
+                <a:tint val="40000"/>
+                <a:satMod val="350000"/>
+              </a:schemeClr>
+            </a:gs>
+            <a:gs pos="40000">
+              <a:schemeClr val="phClr">
+                <a:tint val="45000"/>
+                <a:shade val="99000"/>
+                <a:satMod val="350000"/>
+              </a:schemeClr>
+            </a:gs>
+            <a:gs pos="100000">
+              <a:schemeClr val="phClr">
+                <a:shade val="20000"/>
+                <a:satMod val="255000"/>
+              </a:schemeClr>
+            </a:gs>
+          </a:gsLst>
+          <a:path path="circle">
+            <a:fillToRect l="50000" t="-80000" r="50000" b="180000"/>
+          </a:path>
+        </a:gradFill>
+        <a:gradFill rotWithShape="1">
+          <a:gsLst>
+            <a:gs pos="0">
+              <a:schemeClr val="phClr">
+                <a:tint val="80000"/>
+                <a:satMod val="300000"/>
+              </a:schemeClr>
+            </a:gs>
+            <a:gs pos="100000">
+              <a:schemeClr val="phClr">
+                <a:shade val="30000"/>
+                <a:satMod val="200000"/>
+              </a:schemeClr>
+            </a:gs>
+          </a:gsLst>
+          <a:path path="circle">
+            <a:fillToRect l="50000" t="50000" r="50000" b="50000"/>
+          </a:path>
+        </a:gradFill>
+      </a:bgFillStyleLst>
+    </a:fmtScheme>
+  </a:themeElements>
+  <a:objectDefaults/>
+  <a:extraClrSchemeLst/>
+</a:theme>
 </file>